--- a/src/doc/职级评审_商城技术部-王雷.pptx
+++ b/src/doc/职级评审_商城技术部-王雷.pptx
@@ -5,7 +5,7 @@
     <p:sldMasterId id="2147483648" r:id="rId1"/>
   </p:sldMasterIdLst>
   <p:notesMasterIdLst>
-    <p:notesMasterId r:id="rId12"/>
+    <p:notesMasterId r:id="rId13"/>
   </p:notesMasterIdLst>
   <p:sldIdLst>
     <p:sldId id="273" r:id="rId3"/>
@@ -15,8 +15,9 @@
     <p:sldId id="283" r:id="rId7"/>
     <p:sldId id="291" r:id="rId8"/>
     <p:sldId id="294" r:id="rId9"/>
-    <p:sldId id="285" r:id="rId10"/>
-    <p:sldId id="277" r:id="rId11"/>
+    <p:sldId id="297" r:id="rId10"/>
+    <p:sldId id="285" r:id="rId11"/>
+    <p:sldId id="277" r:id="rId12"/>
   </p:sldIdLst>
   <p:sldSz cx="9144000" cy="5143500" type="screen16x9"/>
   <p:notesSz cx="6858000" cy="9144000"/>
@@ -127,6 +128,7 @@
             <p14:sldId id="283"/>
             <p14:sldId id="291"/>
             <p14:sldId id="294"/>
+            <p14:sldId id="297"/>
             <p14:sldId id="285"/>
             <p14:sldId id="277"/>
           </p14:sldIdLst>
@@ -9966,6 +9968,38 @@
           </a:p>
         </p:txBody>
       </p:sp>
+    </p:spTree>
+  </p:cSld>
+  <p:clrMapOvr>
+    <a:masterClrMapping/>
+  </p:clrMapOvr>
+  <p:timing>
+    <p:tnLst>
+      <p:par>
+        <p:cTn id="1" dur="indefinite" restart="never" nodeType="tmRoot"/>
+      </p:par>
+    </p:tnLst>
+  </p:timing>
+</p:sld>
+</file>
+
+<file path=ppt/slides/slide10.xml><?xml version="1.0" encoding="utf-8"?>
+<p:sld xmlns:a="http://schemas.openxmlformats.org/drawingml/2006/main" xmlns:r="http://schemas.openxmlformats.org/officeDocument/2006/relationships" xmlns:p="http://schemas.openxmlformats.org/presentationml/2006/main">
+  <p:cSld>
+    <p:spTree>
+      <p:nvGrpSpPr>
+        <p:cNvPr id="1" name=""/>
+        <p:cNvGrpSpPr/>
+        <p:nvPr/>
+      </p:nvGrpSpPr>
+      <p:grpSpPr>
+        <a:xfrm>
+          <a:off x="0" y="0"/>
+          <a:ext cx="0" cy="0"/>
+          <a:chOff x="0" y="0"/>
+          <a:chExt cx="0" cy="0"/>
+        </a:xfrm>
+      </p:grpSpPr>
     </p:spTree>
   </p:cSld>
   <p:clrMapOvr>
@@ -17372,6 +17406,785 @@
         <p:cNvGrpSpPr/>
         <p:nvPr/>
       </p:nvGrpSpPr>
+      <p:grpSpPr/>
+      <p:sp>
+        <p:nvSpPr>
+          <p:cNvPr id="2" name="内容占位符 1"/>
+          <p:cNvSpPr>
+            <a:spLocks noGrp="1"/>
+          </p:cNvSpPr>
+          <p:nvPr>
+            <p:ph idx="1"/>
+          </p:nvPr>
+        </p:nvSpPr>
+        <p:spPr>
+          <a:xfrm>
+            <a:off x="5570220" y="1347470"/>
+            <a:ext cx="3075940" cy="2880360"/>
+          </a:xfrm>
+        </p:spPr>
+        <p:txBody>
+          <a:bodyPr>
+            <a:normAutofit/>
+          </a:bodyPr>
+          <a:p>
+            <a:pPr marL="0" indent="0">
+              <a:buNone/>
+            </a:pPr>
+            <a:r>
+              <a:rPr lang="en-US" altLang="zh-CN" sz="1200">
+                <a:latin typeface="仿宋" panose="02010609060101010101" charset="-122"/>
+                <a:ea typeface="仿宋" panose="02010609060101010101" charset="-122"/>
+              </a:rPr>
+              <a:t>1 </a:t>
+            </a:r>
+            <a:r>
+              <a:rPr sz="1200">
+                <a:latin typeface="仿宋" panose="02010609060101010101" charset="-122"/>
+                <a:ea typeface="仿宋" panose="02010609060101010101" charset="-122"/>
+              </a:rPr>
+              <a:t>统一对账单改造后，同步了结算单，结算单详情，付款单。结算单详情的数据量到了千万级别，查询速度太慢，改造同时</a:t>
+            </a:r>
+            <a:r>
+              <a:rPr lang="en-US" altLang="zh-CN" sz="1200">
+                <a:latin typeface="仿宋" panose="02010609060101010101" charset="-122"/>
+                <a:ea typeface="仿宋" panose="02010609060101010101" charset="-122"/>
+              </a:rPr>
+              <a:t>mysql</a:t>
+            </a:r>
+            <a:r>
+              <a:rPr sz="1200">
+                <a:latin typeface="仿宋" panose="02010609060101010101" charset="-122"/>
+                <a:ea typeface="仿宋" panose="02010609060101010101" charset="-122"/>
+              </a:rPr>
+              <a:t>分库分表</a:t>
+            </a:r>
+            <a:r>
+              <a:rPr lang="en-US" altLang="zh-CN" sz="1200">
+                <a:latin typeface="仿宋" panose="02010609060101010101" charset="-122"/>
+                <a:ea typeface="仿宋" panose="02010609060101010101" charset="-122"/>
+              </a:rPr>
+              <a:t>,</a:t>
+            </a:r>
+            <a:r>
+              <a:rPr sz="1200">
+                <a:latin typeface="仿宋" panose="02010609060101010101" charset="-122"/>
+                <a:ea typeface="仿宋" panose="02010609060101010101" charset="-122"/>
+              </a:rPr>
+              <a:t>分表是按月分，前端限制跨月查询，跨月的数据查询生成</a:t>
+            </a:r>
+            <a:r>
+              <a:rPr lang="en-US" altLang="zh-CN" sz="1200">
+                <a:latin typeface="仿宋" panose="02010609060101010101" charset="-122"/>
+                <a:ea typeface="仿宋" panose="02010609060101010101" charset="-122"/>
+              </a:rPr>
+              <a:t>excel</a:t>
+            </a:r>
+            <a:r>
+              <a:rPr sz="1200">
+                <a:latin typeface="仿宋" panose="02010609060101010101" charset="-122"/>
+                <a:ea typeface="仿宋" panose="02010609060101010101" charset="-122"/>
+              </a:rPr>
+              <a:t>发邮箱，为了解决跨月查询，分表后每月百万级的统计查询依然慢的问题，将数据持久化到</a:t>
+            </a:r>
+            <a:r>
+              <a:rPr lang="en-US" altLang="zh-CN" sz="1200">
+                <a:latin typeface="仿宋" panose="02010609060101010101" charset="-122"/>
+                <a:ea typeface="仿宋" panose="02010609060101010101" charset="-122"/>
+              </a:rPr>
+              <a:t>Elasticsearch</a:t>
+            </a:r>
+            <a:r>
+              <a:rPr sz="1200">
+                <a:latin typeface="仿宋" panose="02010609060101010101" charset="-122"/>
+                <a:ea typeface="仿宋" panose="02010609060101010101" charset="-122"/>
+              </a:rPr>
+              <a:t>集群</a:t>
+            </a:r>
+            <a:r>
+              <a:rPr lang="en-US" altLang="zh-CN" sz="1200">
+                <a:latin typeface="仿宋" panose="02010609060101010101" charset="-122"/>
+                <a:ea typeface="仿宋" panose="02010609060101010101" charset="-122"/>
+              </a:rPr>
+              <a:t>,</a:t>
+            </a:r>
+            <a:r>
+              <a:rPr sz="1200">
+                <a:latin typeface="仿宋" panose="02010609060101010101" charset="-122"/>
+                <a:ea typeface="仿宋" panose="02010609060101010101" charset="-122"/>
+              </a:rPr>
+              <a:t>利用</a:t>
+            </a:r>
+            <a:r>
+              <a:rPr lang="en-US" altLang="zh-CN" sz="1200">
+                <a:latin typeface="仿宋" panose="02010609060101010101" charset="-122"/>
+                <a:ea typeface="仿宋" panose="02010609060101010101" charset="-122"/>
+              </a:rPr>
+              <a:t>es</a:t>
+            </a:r>
+            <a:r>
+              <a:rPr sz="1200">
+                <a:latin typeface="仿宋" panose="02010609060101010101" charset="-122"/>
+                <a:ea typeface="仿宋" panose="02010609060101010101" charset="-122"/>
+              </a:rPr>
+              <a:t>查询数据，提高了对账的查询速度</a:t>
+            </a:r>
+            <a:endParaRPr sz="1200">
+              <a:latin typeface="仿宋" panose="02010609060101010101" charset="-122"/>
+              <a:ea typeface="仿宋" panose="02010609060101010101" charset="-122"/>
+            </a:endParaRPr>
+          </a:p>
+          <a:p>
+            <a:pPr marL="0" indent="0">
+              <a:buNone/>
+            </a:pPr>
+            <a:r>
+              <a:rPr lang="en-US" altLang="zh-CN" sz="1200">
+                <a:latin typeface="仿宋" panose="02010609060101010101" charset="-122"/>
+                <a:ea typeface="仿宋" panose="02010609060101010101" charset="-122"/>
+              </a:rPr>
+              <a:t>2 </a:t>
+            </a:r>
+            <a:r>
+              <a:rPr sz="1200">
+                <a:latin typeface="仿宋" panose="02010609060101010101" charset="-122"/>
+                <a:ea typeface="仿宋" panose="02010609060101010101" charset="-122"/>
+              </a:rPr>
+              <a:t>数据的迁移，原来的订单结算，券结算将数据推到</a:t>
+            </a:r>
+            <a:r>
+              <a:rPr lang="en-US" altLang="zh-CN" sz="1200">
+                <a:latin typeface="仿宋" panose="02010609060101010101" charset="-122"/>
+                <a:ea typeface="仿宋" panose="02010609060101010101" charset="-122"/>
+              </a:rPr>
+              <a:t>kafka</a:t>
+            </a:r>
+            <a:r>
+              <a:rPr sz="1200">
+                <a:latin typeface="仿宋" panose="02010609060101010101" charset="-122"/>
+                <a:ea typeface="仿宋" panose="02010609060101010101" charset="-122"/>
+              </a:rPr>
+              <a:t>，统一结算单到</a:t>
+            </a:r>
+            <a:r>
+              <a:rPr lang="en-US" altLang="zh-CN" sz="1200">
+                <a:latin typeface="仿宋" panose="02010609060101010101" charset="-122"/>
+                <a:ea typeface="仿宋" panose="02010609060101010101" charset="-122"/>
+              </a:rPr>
+              <a:t>kafka</a:t>
+            </a:r>
+            <a:r>
+              <a:rPr sz="1200">
+                <a:latin typeface="仿宋" panose="02010609060101010101" charset="-122"/>
+                <a:ea typeface="仿宋" panose="02010609060101010101" charset="-122"/>
+              </a:rPr>
+              <a:t>拉数据，存量数据同步完后，</a:t>
+            </a:r>
+            <a:r>
+              <a:rPr lang="en-US" altLang="zh-CN" sz="1200">
+                <a:latin typeface="仿宋" panose="02010609060101010101" charset="-122"/>
+                <a:ea typeface="仿宋" panose="02010609060101010101" charset="-122"/>
+              </a:rPr>
+              <a:t>kafka</a:t>
+            </a:r>
+            <a:r>
+              <a:rPr sz="1200">
+                <a:latin typeface="仿宋" panose="02010609060101010101" charset="-122"/>
+                <a:ea typeface="仿宋" panose="02010609060101010101" charset="-122"/>
+              </a:rPr>
+              <a:t>存放了增量数据和数据改变。同步完成后查询结算单总数和金额的相等</a:t>
+            </a:r>
+            <a:endParaRPr sz="1200">
+              <a:latin typeface="仿宋" panose="02010609060101010101" charset="-122"/>
+              <a:ea typeface="仿宋" panose="02010609060101010101" charset="-122"/>
+            </a:endParaRPr>
+          </a:p>
+        </p:txBody>
+      </p:sp>
+      <p:sp>
+        <p:nvSpPr>
+          <p:cNvPr id="3" name="标题 2"/>
+          <p:cNvSpPr>
+            <a:spLocks noGrp="1"/>
+          </p:cNvSpPr>
+          <p:nvPr>
+            <p:ph type="title"/>
+          </p:nvPr>
+        </p:nvSpPr>
+        <p:spPr/>
+        <p:txBody>
+          <a:bodyPr>
+            <a:normAutofit/>
+          </a:bodyPr>
+          <a:p>
+            <a:r>
+              <a:rPr lang="en-US" altLang="zh-CN" dirty="0" smtClean="0">
+                <a:sym typeface="+mn-ea"/>
+              </a:rPr>
+              <a:t>4 </a:t>
+            </a:r>
+            <a:r>
+              <a:rPr lang="zh-CN" altLang="en-US" dirty="0" smtClean="0">
+                <a:sym typeface="+mn-ea"/>
+              </a:rPr>
+              <a:t>重点项目</a:t>
+            </a:r>
+            <a:r>
+              <a:rPr lang="en-US" altLang="zh-CN" dirty="0" smtClean="0">
+                <a:sym typeface="+mn-ea"/>
+              </a:rPr>
+              <a:t>-</a:t>
+            </a:r>
+            <a:r>
+              <a:rPr lang="zh-CN" altLang="en-US" dirty="0" smtClean="0">
+                <a:sym typeface="+mn-ea"/>
+              </a:rPr>
+              <a:t>对账系统</a:t>
+            </a:r>
+            <a:endParaRPr lang="zh-CN" altLang="en-US"/>
+          </a:p>
+        </p:txBody>
+      </p:sp>
+      <p:sp>
+        <p:nvSpPr>
+          <p:cNvPr id="4" name="矩形 3"/>
+          <p:cNvSpPr/>
+          <p:nvPr/>
+        </p:nvSpPr>
+        <p:spPr>
+          <a:xfrm>
+            <a:off x="395605" y="1347470"/>
+            <a:ext cx="935990" cy="575945"/>
+          </a:xfrm>
+          <a:prstGeom prst="rect">
+            <a:avLst/>
+          </a:prstGeom>
+          <a:solidFill>
+            <a:schemeClr val="accent5"/>
+          </a:solidFill>
+          <a:ln>
+            <a:noFill/>
+          </a:ln>
+        </p:spPr>
+        <p:style>
+          <a:lnRef idx="2">
+            <a:schemeClr val="accent1">
+              <a:shade val="50000"/>
+            </a:schemeClr>
+          </a:lnRef>
+          <a:fillRef idx="1">
+            <a:schemeClr val="accent1"/>
+          </a:fillRef>
+          <a:effectRef idx="0">
+            <a:schemeClr val="accent1"/>
+          </a:effectRef>
+          <a:fontRef idx="minor">
+            <a:schemeClr val="lt1"/>
+          </a:fontRef>
+        </p:style>
+        <p:txBody>
+          <a:bodyPr rtlCol="0" anchor="ctr"/>
+          <a:p>
+            <a:pPr algn="ctr" defTabSz="914400"/>
+            <a:r>
+              <a:rPr kumimoji="0" lang="zh-CN" altLang="en-US" sz="1200" b="0" i="0" u="none" strike="noStrike" kern="0" cap="none" spc="0" normalizeH="0" baseline="0" noProof="0" dirty="0">
+                <a:ln>
+                  <a:noFill/>
+                </a:ln>
+                <a:solidFill>
+                  <a:sysClr val="windowText" lastClr="000000"/>
+                </a:solidFill>
+                <a:effectLst/>
+                <a:uLnTx/>
+                <a:uFillTx/>
+                <a:latin typeface="仿宋" panose="02010609060101010101" charset="-122"/>
+                <a:ea typeface="仿宋" panose="02010609060101010101" charset="-122"/>
+                <a:cs typeface="+mn-ea"/>
+                <a:sym typeface="+mn-lt"/>
+              </a:rPr>
+              <a:t>对账系统</a:t>
+            </a:r>
+            <a:endParaRPr kumimoji="0" lang="zh-CN" altLang="en-US" sz="1200" b="0" i="0" u="none" strike="noStrike" kern="0" cap="none" spc="0" normalizeH="0" baseline="0" noProof="0" dirty="0">
+              <a:ln>
+                <a:noFill/>
+              </a:ln>
+              <a:solidFill>
+                <a:sysClr val="windowText" lastClr="000000"/>
+              </a:solidFill>
+              <a:effectLst/>
+              <a:uLnTx/>
+              <a:uFillTx/>
+              <a:latin typeface="仿宋" panose="02010609060101010101" charset="-122"/>
+              <a:ea typeface="仿宋" panose="02010609060101010101" charset="-122"/>
+              <a:cs typeface="+mn-ea"/>
+              <a:sym typeface="+mn-lt"/>
+            </a:endParaRPr>
+          </a:p>
+        </p:txBody>
+      </p:sp>
+      <p:sp>
+        <p:nvSpPr>
+          <p:cNvPr id="5" name="矩形 4"/>
+          <p:cNvSpPr/>
+          <p:nvPr/>
+        </p:nvSpPr>
+        <p:spPr>
+          <a:xfrm>
+            <a:off x="2804160" y="1347470"/>
+            <a:ext cx="935990" cy="575945"/>
+          </a:xfrm>
+          <a:prstGeom prst="rect">
+            <a:avLst/>
+          </a:prstGeom>
+          <a:solidFill>
+            <a:schemeClr val="accent5"/>
+          </a:solidFill>
+          <a:ln>
+            <a:noFill/>
+          </a:ln>
+        </p:spPr>
+        <p:style>
+          <a:lnRef idx="2">
+            <a:schemeClr val="accent1">
+              <a:shade val="50000"/>
+            </a:schemeClr>
+          </a:lnRef>
+          <a:fillRef idx="1">
+            <a:schemeClr val="accent1"/>
+          </a:fillRef>
+          <a:effectRef idx="0">
+            <a:schemeClr val="accent1"/>
+          </a:effectRef>
+          <a:fontRef idx="minor">
+            <a:schemeClr val="lt1"/>
+          </a:fontRef>
+        </p:style>
+        <p:txBody>
+          <a:bodyPr rtlCol="0" anchor="ctr"/>
+          <a:p>
+            <a:pPr algn="ctr" defTabSz="914400"/>
+            <a:r>
+              <a:rPr kumimoji="0" lang="zh-CN" altLang="en-US" sz="1200" b="0" i="0" u="none" strike="noStrike" kern="0" cap="none" spc="0" normalizeH="0" baseline="0" noProof="0" dirty="0">
+                <a:ln>
+                  <a:noFill/>
+                </a:ln>
+                <a:solidFill>
+                  <a:sysClr val="windowText" lastClr="000000"/>
+                </a:solidFill>
+                <a:effectLst/>
+                <a:uLnTx/>
+                <a:uFillTx/>
+                <a:latin typeface="仿宋" panose="02010609060101010101" charset="-122"/>
+                <a:ea typeface="仿宋" panose="02010609060101010101" charset="-122"/>
+                <a:cs typeface="+mn-ea"/>
+                <a:sym typeface="+mn-lt"/>
+              </a:rPr>
+              <a:t>对账系统</a:t>
+            </a:r>
+            <a:endParaRPr kumimoji="0" lang="zh-CN" altLang="en-US" sz="1200" b="0" i="0" u="none" strike="noStrike" kern="0" cap="none" spc="0" normalizeH="0" baseline="0" noProof="0" dirty="0">
+              <a:ln>
+                <a:noFill/>
+              </a:ln>
+              <a:solidFill>
+                <a:sysClr val="windowText" lastClr="000000"/>
+              </a:solidFill>
+              <a:effectLst/>
+              <a:uLnTx/>
+              <a:uFillTx/>
+              <a:latin typeface="仿宋" panose="02010609060101010101" charset="-122"/>
+              <a:ea typeface="仿宋" panose="02010609060101010101" charset="-122"/>
+              <a:cs typeface="+mn-ea"/>
+              <a:sym typeface="+mn-lt"/>
+            </a:endParaRPr>
+          </a:p>
+        </p:txBody>
+      </p:sp>
+      <p:cxnSp>
+        <p:nvCxnSpPr>
+          <p:cNvPr id="6" name="直接箭头连接符 5"/>
+          <p:cNvCxnSpPr>
+            <a:stCxn id="4" idx="2"/>
+            <a:endCxn id="8" idx="0"/>
+          </p:cNvCxnSpPr>
+          <p:nvPr/>
+        </p:nvCxnSpPr>
+        <p:spPr>
+          <a:xfrm flipH="1">
+            <a:off x="845185" y="1923415"/>
+            <a:ext cx="18415" cy="575945"/>
+          </a:xfrm>
+          <a:prstGeom prst="straightConnector1">
+            <a:avLst/>
+          </a:prstGeom>
+          <a:ln>
+            <a:tailEnd type="arrow"/>
+          </a:ln>
+        </p:spPr>
+        <p:style>
+          <a:lnRef idx="1">
+            <a:schemeClr val="accent1"/>
+          </a:lnRef>
+          <a:fillRef idx="0">
+            <a:schemeClr val="accent1"/>
+          </a:fillRef>
+          <a:effectRef idx="0">
+            <a:schemeClr val="accent1"/>
+          </a:effectRef>
+          <a:fontRef idx="minor">
+            <a:schemeClr val="tx1"/>
+          </a:fontRef>
+        </p:style>
+      </p:cxnSp>
+      <p:sp>
+        <p:nvSpPr>
+          <p:cNvPr id="8" name="矩形 7"/>
+          <p:cNvSpPr/>
+          <p:nvPr/>
+        </p:nvSpPr>
+        <p:spPr>
+          <a:xfrm>
+            <a:off x="377190" y="2499360"/>
+            <a:ext cx="935990" cy="575945"/>
+          </a:xfrm>
+          <a:prstGeom prst="rect">
+            <a:avLst/>
+          </a:prstGeom>
+          <a:solidFill>
+            <a:schemeClr val="accent5"/>
+          </a:solidFill>
+          <a:ln>
+            <a:noFill/>
+          </a:ln>
+        </p:spPr>
+        <p:style>
+          <a:lnRef idx="2">
+            <a:schemeClr val="accent1">
+              <a:shade val="50000"/>
+            </a:schemeClr>
+          </a:lnRef>
+          <a:fillRef idx="1">
+            <a:schemeClr val="accent1"/>
+          </a:fillRef>
+          <a:effectRef idx="0">
+            <a:schemeClr val="accent1"/>
+          </a:effectRef>
+          <a:fontRef idx="minor">
+            <a:schemeClr val="lt1"/>
+          </a:fontRef>
+        </p:style>
+        <p:txBody>
+          <a:bodyPr rtlCol="0" anchor="ctr"/>
+          <a:p>
+            <a:pPr algn="ctr" defTabSz="914400"/>
+            <a:r>
+              <a:rPr kumimoji="0" lang="zh-CN" altLang="en-US" sz="1200" b="0" i="0" u="none" strike="noStrike" kern="0" cap="none" spc="0" normalizeH="0" baseline="0" noProof="0" dirty="0">
+                <a:ln>
+                  <a:noFill/>
+                </a:ln>
+                <a:solidFill>
+                  <a:sysClr val="windowText" lastClr="000000"/>
+                </a:solidFill>
+                <a:effectLst/>
+                <a:uLnTx/>
+                <a:uFillTx/>
+                <a:latin typeface="仿宋" panose="02010609060101010101" charset="-122"/>
+                <a:ea typeface="仿宋" panose="02010609060101010101" charset="-122"/>
+                <a:cs typeface="+mn-ea"/>
+                <a:sym typeface="+mn-lt"/>
+              </a:rPr>
+              <a:t>分表中间件</a:t>
+            </a:r>
+            <a:endParaRPr kumimoji="0" lang="zh-CN" altLang="en-US" sz="1200" b="0" i="0" u="none" strike="noStrike" kern="0" cap="none" spc="0" normalizeH="0" baseline="0" noProof="0" dirty="0">
+              <a:ln>
+                <a:noFill/>
+              </a:ln>
+              <a:solidFill>
+                <a:sysClr val="windowText" lastClr="000000"/>
+              </a:solidFill>
+              <a:effectLst/>
+              <a:uLnTx/>
+              <a:uFillTx/>
+              <a:latin typeface="仿宋" panose="02010609060101010101" charset="-122"/>
+              <a:ea typeface="仿宋" panose="02010609060101010101" charset="-122"/>
+              <a:cs typeface="+mn-ea"/>
+              <a:sym typeface="+mn-lt"/>
+            </a:endParaRPr>
+          </a:p>
+        </p:txBody>
+      </p:sp>
+      <p:sp>
+        <p:nvSpPr>
+          <p:cNvPr id="9" name="矩形 8"/>
+          <p:cNvSpPr/>
+          <p:nvPr/>
+        </p:nvSpPr>
+        <p:spPr>
+          <a:xfrm>
+            <a:off x="2804160" y="2637790"/>
+            <a:ext cx="935990" cy="575945"/>
+          </a:xfrm>
+          <a:prstGeom prst="rect">
+            <a:avLst/>
+          </a:prstGeom>
+          <a:solidFill>
+            <a:schemeClr val="accent5"/>
+          </a:solidFill>
+          <a:ln>
+            <a:noFill/>
+          </a:ln>
+        </p:spPr>
+        <p:style>
+          <a:lnRef idx="2">
+            <a:schemeClr val="accent1">
+              <a:shade val="50000"/>
+            </a:schemeClr>
+          </a:lnRef>
+          <a:fillRef idx="1">
+            <a:schemeClr val="accent1"/>
+          </a:fillRef>
+          <a:effectRef idx="0">
+            <a:schemeClr val="accent1"/>
+          </a:effectRef>
+          <a:fontRef idx="minor">
+            <a:schemeClr val="lt1"/>
+          </a:fontRef>
+        </p:style>
+        <p:txBody>
+          <a:bodyPr rtlCol="0" anchor="ctr"/>
+          <a:p>
+            <a:pPr algn="ctr" defTabSz="914400"/>
+            <a:r>
+              <a:rPr kumimoji="0" lang="en-US" altLang="zh-CN" sz="1200" b="0" i="0" u="none" strike="noStrike" kern="0" cap="none" spc="0" normalizeH="0" baseline="0" noProof="0" dirty="0">
+                <a:ln>
+                  <a:noFill/>
+                </a:ln>
+                <a:solidFill>
+                  <a:sysClr val="windowText" lastClr="000000"/>
+                </a:solidFill>
+                <a:effectLst/>
+                <a:uLnTx/>
+                <a:uFillTx/>
+                <a:latin typeface="仿宋" panose="02010609060101010101" charset="-122"/>
+                <a:ea typeface="仿宋" panose="02010609060101010101" charset="-122"/>
+                <a:cs typeface="+mn-ea"/>
+                <a:sym typeface="+mn-lt"/>
+              </a:rPr>
+              <a:t>ES</a:t>
+            </a:r>
+            <a:r>
+              <a:rPr kumimoji="0" lang="zh-CN" altLang="en-US" sz="1200" b="0" i="0" u="none" strike="noStrike" kern="0" cap="none" spc="0" normalizeH="0" baseline="0" noProof="0" dirty="0">
+                <a:ln>
+                  <a:noFill/>
+                </a:ln>
+                <a:solidFill>
+                  <a:sysClr val="windowText" lastClr="000000"/>
+                </a:solidFill>
+                <a:effectLst/>
+                <a:uLnTx/>
+                <a:uFillTx/>
+                <a:latin typeface="仿宋" panose="02010609060101010101" charset="-122"/>
+                <a:ea typeface="仿宋" panose="02010609060101010101" charset="-122"/>
+                <a:cs typeface="+mn-ea"/>
+                <a:sym typeface="+mn-lt"/>
+              </a:rPr>
+              <a:t>集群</a:t>
+            </a:r>
+            <a:endParaRPr kumimoji="0" lang="zh-CN" altLang="en-US" sz="1200" b="0" i="0" u="none" strike="noStrike" kern="0" cap="none" spc="0" normalizeH="0" baseline="0" noProof="0" dirty="0">
+              <a:ln>
+                <a:noFill/>
+              </a:ln>
+              <a:solidFill>
+                <a:sysClr val="windowText" lastClr="000000"/>
+              </a:solidFill>
+              <a:effectLst/>
+              <a:uLnTx/>
+              <a:uFillTx/>
+              <a:latin typeface="仿宋" panose="02010609060101010101" charset="-122"/>
+              <a:ea typeface="仿宋" panose="02010609060101010101" charset="-122"/>
+              <a:cs typeface="+mn-ea"/>
+              <a:sym typeface="+mn-lt"/>
+            </a:endParaRPr>
+          </a:p>
+        </p:txBody>
+      </p:sp>
+      <p:sp>
+        <p:nvSpPr>
+          <p:cNvPr id="10" name="矩形 9"/>
+          <p:cNvSpPr/>
+          <p:nvPr/>
+        </p:nvSpPr>
+        <p:spPr>
+          <a:xfrm>
+            <a:off x="417830" y="3651885"/>
+            <a:ext cx="935990" cy="575945"/>
+          </a:xfrm>
+          <a:prstGeom prst="rect">
+            <a:avLst/>
+          </a:prstGeom>
+          <a:solidFill>
+            <a:schemeClr val="accent5"/>
+          </a:solidFill>
+          <a:ln>
+            <a:noFill/>
+          </a:ln>
+        </p:spPr>
+        <p:style>
+          <a:lnRef idx="2">
+            <a:schemeClr val="accent1">
+              <a:shade val="50000"/>
+            </a:schemeClr>
+          </a:lnRef>
+          <a:fillRef idx="1">
+            <a:schemeClr val="accent1"/>
+          </a:fillRef>
+          <a:effectRef idx="0">
+            <a:schemeClr val="accent1"/>
+          </a:effectRef>
+          <a:fontRef idx="minor">
+            <a:schemeClr val="lt1"/>
+          </a:fontRef>
+        </p:style>
+        <p:txBody>
+          <a:bodyPr rtlCol="0" anchor="ctr"/>
+          <a:p>
+            <a:pPr algn="ctr" defTabSz="914400"/>
+            <a:r>
+              <a:rPr kumimoji="0" lang="en-US" altLang="zh-CN" sz="1200" b="0" i="0" u="none" strike="noStrike" kern="0" cap="none" spc="0" normalizeH="0" baseline="0" noProof="0" dirty="0">
+                <a:ln>
+                  <a:noFill/>
+                </a:ln>
+                <a:solidFill>
+                  <a:sysClr val="windowText" lastClr="000000"/>
+                </a:solidFill>
+                <a:effectLst/>
+                <a:uLnTx/>
+                <a:uFillTx/>
+                <a:latin typeface="仿宋" panose="02010609060101010101" charset="-122"/>
+                <a:ea typeface="仿宋" panose="02010609060101010101" charset="-122"/>
+                <a:cs typeface="+mn-ea"/>
+                <a:sym typeface="+mn-lt"/>
+              </a:rPr>
+              <a:t>mysql</a:t>
+            </a:r>
+            <a:r>
+              <a:rPr kumimoji="0" lang="zh-CN" altLang="en-US" sz="1200" b="0" i="0" u="none" strike="noStrike" kern="0" cap="none" spc="0" normalizeH="0" baseline="0" noProof="0" dirty="0">
+                <a:ln>
+                  <a:noFill/>
+                </a:ln>
+                <a:solidFill>
+                  <a:sysClr val="windowText" lastClr="000000"/>
+                </a:solidFill>
+                <a:effectLst/>
+                <a:uLnTx/>
+                <a:uFillTx/>
+                <a:latin typeface="仿宋" panose="02010609060101010101" charset="-122"/>
+                <a:ea typeface="仿宋" panose="02010609060101010101" charset="-122"/>
+                <a:cs typeface="+mn-ea"/>
+                <a:sym typeface="+mn-lt"/>
+              </a:rPr>
+              <a:t>集群，分表</a:t>
+            </a:r>
+            <a:endParaRPr kumimoji="0" lang="zh-CN" altLang="en-US" sz="1200" b="0" i="0" u="none" strike="noStrike" kern="0" cap="none" spc="0" normalizeH="0" baseline="0" noProof="0" dirty="0">
+              <a:ln>
+                <a:noFill/>
+              </a:ln>
+              <a:solidFill>
+                <a:sysClr val="windowText" lastClr="000000"/>
+              </a:solidFill>
+              <a:effectLst/>
+              <a:uLnTx/>
+              <a:uFillTx/>
+              <a:latin typeface="仿宋" panose="02010609060101010101" charset="-122"/>
+              <a:ea typeface="仿宋" panose="02010609060101010101" charset="-122"/>
+              <a:cs typeface="+mn-ea"/>
+              <a:sym typeface="+mn-lt"/>
+            </a:endParaRPr>
+          </a:p>
+        </p:txBody>
+      </p:sp>
+      <p:cxnSp>
+        <p:nvCxnSpPr>
+          <p:cNvPr id="11" name="直接箭头连接符 10"/>
+          <p:cNvCxnSpPr/>
+          <p:nvPr/>
+        </p:nvCxnSpPr>
+        <p:spPr>
+          <a:xfrm flipH="1">
+            <a:off x="826770" y="3075305"/>
+            <a:ext cx="18415" cy="575945"/>
+          </a:xfrm>
+          <a:prstGeom prst="straightConnector1">
+            <a:avLst/>
+          </a:prstGeom>
+          <a:ln>
+            <a:tailEnd type="arrow"/>
+          </a:ln>
+        </p:spPr>
+        <p:style>
+          <a:lnRef idx="1">
+            <a:schemeClr val="accent1"/>
+          </a:lnRef>
+          <a:fillRef idx="0">
+            <a:schemeClr val="accent1"/>
+          </a:fillRef>
+          <a:effectRef idx="0">
+            <a:schemeClr val="accent1"/>
+          </a:effectRef>
+          <a:fontRef idx="minor">
+            <a:schemeClr val="tx1"/>
+          </a:fontRef>
+        </p:style>
+      </p:cxnSp>
+      <p:cxnSp>
+        <p:nvCxnSpPr>
+          <p:cNvPr id="12" name="直接箭头连接符 11"/>
+          <p:cNvCxnSpPr/>
+          <p:nvPr/>
+        </p:nvCxnSpPr>
+        <p:spPr>
+          <a:xfrm flipH="1">
+            <a:off x="3262630" y="1993265"/>
+            <a:ext cx="18415" cy="575945"/>
+          </a:xfrm>
+          <a:prstGeom prst="straightConnector1">
+            <a:avLst/>
+          </a:prstGeom>
+          <a:ln>
+            <a:tailEnd type="arrow"/>
+          </a:ln>
+        </p:spPr>
+        <p:style>
+          <a:lnRef idx="1">
+            <a:schemeClr val="accent1"/>
+          </a:lnRef>
+          <a:fillRef idx="0">
+            <a:schemeClr val="accent1"/>
+          </a:fillRef>
+          <a:effectRef idx="0">
+            <a:schemeClr val="accent1"/>
+          </a:effectRef>
+          <a:fontRef idx="minor">
+            <a:schemeClr val="tx1"/>
+          </a:fontRef>
+        </p:style>
+      </p:cxnSp>
+    </p:spTree>
+  </p:cSld>
+  <p:clrMapOvr>
+    <a:masterClrMapping/>
+  </p:clrMapOvr>
+</p:sld>
+</file>
+
+<file path=ppt/slides/slide9.xml><?xml version="1.0" encoding="utf-8"?>
+<p:sld xmlns:a="http://schemas.openxmlformats.org/drawingml/2006/main" xmlns:r="http://schemas.openxmlformats.org/officeDocument/2006/relationships" xmlns:p="http://schemas.openxmlformats.org/presentationml/2006/main">
+  <p:cSld>
+    <p:spTree>
+      <p:nvGrpSpPr>
+        <p:cNvPr id="1" name=""/>
+        <p:cNvGrpSpPr/>
+        <p:nvPr/>
+      </p:nvGrpSpPr>
       <p:grpSpPr>
         <a:xfrm>
           <a:off x="0" y="0"/>
@@ -17425,38 +18238,6 @@
           </a:graphicData>
         </a:graphic>
       </p:graphicFrame>
-    </p:spTree>
-  </p:cSld>
-  <p:clrMapOvr>
-    <a:masterClrMapping/>
-  </p:clrMapOvr>
-  <p:timing>
-    <p:tnLst>
-      <p:par>
-        <p:cTn id="1" dur="indefinite" restart="never" nodeType="tmRoot"/>
-      </p:par>
-    </p:tnLst>
-  </p:timing>
-</p:sld>
-</file>
-
-<file path=ppt/slides/slide9.xml><?xml version="1.0" encoding="utf-8"?>
-<p:sld xmlns:a="http://schemas.openxmlformats.org/drawingml/2006/main" xmlns:r="http://schemas.openxmlformats.org/officeDocument/2006/relationships" xmlns:p="http://schemas.openxmlformats.org/presentationml/2006/main">
-  <p:cSld>
-    <p:spTree>
-      <p:nvGrpSpPr>
-        <p:cNvPr id="1" name=""/>
-        <p:cNvGrpSpPr/>
-        <p:nvPr/>
-      </p:nvGrpSpPr>
-      <p:grpSpPr>
-        <a:xfrm>
-          <a:off x="0" y="0"/>
-          <a:ext cx="0" cy="0"/>
-          <a:chOff x="0" y="0"/>
-          <a:chExt cx="0" cy="0"/>
-        </a:xfrm>
-      </p:grpSpPr>
     </p:spTree>
   </p:cSld>
   <p:clrMapOvr>

--- a/src/doc/职级评审_商城技术部-王雷.pptx
+++ b/src/doc/职级评审_商城技术部-王雷.pptx
@@ -17409,6 +17409,249 @@
       <p:grpSpPr/>
       <p:sp>
         <p:nvSpPr>
+          <p:cNvPr id="27" name="矩形 26"/>
+          <p:cNvSpPr/>
+          <p:nvPr/>
+        </p:nvSpPr>
+        <p:spPr>
+          <a:xfrm>
+            <a:off x="2525395" y="2575560"/>
+            <a:ext cx="1609725" cy="872490"/>
+          </a:xfrm>
+          <a:prstGeom prst="rect">
+            <a:avLst/>
+          </a:prstGeom>
+          <a:solidFill>
+            <a:schemeClr val="accent5"/>
+          </a:solidFill>
+          <a:ln>
+            <a:noFill/>
+          </a:ln>
+        </p:spPr>
+        <p:style>
+          <a:lnRef idx="2">
+            <a:schemeClr val="accent1">
+              <a:shade val="50000"/>
+            </a:schemeClr>
+          </a:lnRef>
+          <a:fillRef idx="1">
+            <a:schemeClr val="accent1"/>
+          </a:fillRef>
+          <a:effectRef idx="0">
+            <a:schemeClr val="accent1"/>
+          </a:effectRef>
+          <a:fontRef idx="minor">
+            <a:schemeClr val="lt1"/>
+          </a:fontRef>
+        </p:style>
+        <p:txBody>
+          <a:bodyPr rtlCol="0" anchor="ctr"/>
+          <a:p>
+            <a:pPr algn="ctr" defTabSz="914400"/>
+            <a:endParaRPr kumimoji="0" lang="zh-CN" altLang="en-US" sz="1200" b="0" i="0" u="none" strike="noStrike" kern="0" cap="none" spc="0" normalizeH="0" baseline="0" noProof="0" dirty="0">
+              <a:ln>
+                <a:noFill/>
+              </a:ln>
+              <a:solidFill>
+                <a:sysClr val="windowText" lastClr="000000"/>
+              </a:solidFill>
+              <a:effectLst/>
+              <a:uLnTx/>
+              <a:uFillTx/>
+              <a:latin typeface="仿宋" panose="02010609060101010101" charset="-122"/>
+              <a:ea typeface="仿宋" panose="02010609060101010101" charset="-122"/>
+              <a:cs typeface="+mn-ea"/>
+              <a:sym typeface="+mn-lt"/>
+            </a:endParaRPr>
+          </a:p>
+        </p:txBody>
+      </p:sp>
+      <p:sp>
+        <p:nvSpPr>
+          <p:cNvPr id="21" name="圆角矩形 20"/>
+          <p:cNvSpPr/>
+          <p:nvPr/>
+        </p:nvSpPr>
+        <p:spPr>
+          <a:xfrm>
+            <a:off x="2525395" y="1347470"/>
+            <a:ext cx="1832610" cy="935355"/>
+          </a:xfrm>
+          <a:prstGeom prst="roundRect">
+            <a:avLst/>
+          </a:prstGeom>
+          <a:solidFill>
+            <a:schemeClr val="accent2">
+              <a:lumMod val="40000"/>
+              <a:lumOff val="60000"/>
+            </a:schemeClr>
+          </a:solidFill>
+          <a:ln>
+            <a:noFill/>
+          </a:ln>
+        </p:spPr>
+        <p:style>
+          <a:lnRef idx="2">
+            <a:schemeClr val="accent1">
+              <a:shade val="50000"/>
+            </a:schemeClr>
+          </a:lnRef>
+          <a:fillRef idx="1">
+            <a:schemeClr val="accent1"/>
+          </a:fillRef>
+          <a:effectRef idx="0">
+            <a:schemeClr val="accent1"/>
+          </a:effectRef>
+          <a:fontRef idx="minor">
+            <a:schemeClr val="lt1"/>
+          </a:fontRef>
+        </p:style>
+        <p:txBody>
+          <a:bodyPr rtlCol="0" anchor="ctr"/>
+          <a:p>
+            <a:pPr algn="ctr" defTabSz="914400"/>
+            <a:r>
+              <a:rPr kumimoji="0" lang="en-US" altLang="zh-CN" sz="1800" b="0" i="0" u="none" strike="noStrike" kern="0" cap="none" spc="0" normalizeH="0" baseline="0" noProof="0" dirty="0">
+                <a:ln>
+                  <a:noFill/>
+                </a:ln>
+                <a:solidFill>
+                  <a:sysClr val="windowText" lastClr="000000"/>
+                </a:solidFill>
+                <a:effectLst/>
+                <a:uLnTx/>
+                <a:uFillTx/>
+                <a:cs typeface="+mn-ea"/>
+                <a:sym typeface="+mn-lt"/>
+              </a:rPr>
+              <a:t>               </a:t>
+            </a:r>
+            <a:endParaRPr kumimoji="0" lang="en-US" altLang="zh-CN" sz="1800" b="0" i="0" u="none" strike="noStrike" kern="0" cap="none" spc="0" normalizeH="0" baseline="0" noProof="0" dirty="0">
+              <a:ln>
+                <a:noFill/>
+              </a:ln>
+              <a:solidFill>
+                <a:sysClr val="windowText" lastClr="000000"/>
+              </a:solidFill>
+              <a:effectLst/>
+              <a:uLnTx/>
+              <a:uFillTx/>
+              <a:cs typeface="+mn-ea"/>
+              <a:sym typeface="+mn-lt"/>
+            </a:endParaRPr>
+          </a:p>
+          <a:p>
+            <a:pPr algn="ctr" defTabSz="914400"/>
+            <a:r>
+              <a:rPr kumimoji="0" lang="en-US" altLang="zh-CN" sz="1800" b="0" i="0" u="none" strike="noStrike" kern="0" cap="none" spc="0" normalizeH="0" baseline="0" noProof="0" dirty="0">
+                <a:ln>
+                  <a:noFill/>
+                </a:ln>
+                <a:solidFill>
+                  <a:sysClr val="windowText" lastClr="000000"/>
+                </a:solidFill>
+                <a:effectLst/>
+                <a:uLnTx/>
+                <a:uFillTx/>
+                <a:cs typeface="+mn-ea"/>
+                <a:sym typeface="+mn-lt"/>
+              </a:rPr>
+              <a:t>docker</a:t>
+            </a:r>
+            <a:endParaRPr kumimoji="0" lang="en-US" altLang="zh-CN" sz="1800" b="0" i="0" u="none" strike="noStrike" kern="0" cap="none" spc="0" normalizeH="0" baseline="0" noProof="0" dirty="0">
+              <a:ln>
+                <a:noFill/>
+              </a:ln>
+              <a:solidFill>
+                <a:sysClr val="windowText" lastClr="000000"/>
+              </a:solidFill>
+              <a:effectLst/>
+              <a:uLnTx/>
+              <a:uFillTx/>
+              <a:cs typeface="+mn-ea"/>
+              <a:sym typeface="+mn-lt"/>
+            </a:endParaRPr>
+          </a:p>
+        </p:txBody>
+      </p:sp>
+      <p:sp>
+        <p:nvSpPr>
+          <p:cNvPr id="14" name="圆角矩形 13"/>
+          <p:cNvSpPr/>
+          <p:nvPr/>
+        </p:nvSpPr>
+        <p:spPr>
+          <a:xfrm>
+            <a:off x="57150" y="1259205"/>
+            <a:ext cx="1661795" cy="923290"/>
+          </a:xfrm>
+          <a:prstGeom prst="roundRect">
+            <a:avLst/>
+          </a:prstGeom>
+          <a:solidFill>
+            <a:schemeClr val="accent2">
+              <a:lumMod val="40000"/>
+              <a:lumOff val="60000"/>
+            </a:schemeClr>
+          </a:solidFill>
+          <a:ln>
+            <a:noFill/>
+          </a:ln>
+        </p:spPr>
+        <p:style>
+          <a:lnRef idx="2">
+            <a:schemeClr val="accent1">
+              <a:shade val="50000"/>
+            </a:schemeClr>
+          </a:lnRef>
+          <a:fillRef idx="1">
+            <a:schemeClr val="accent1"/>
+          </a:fillRef>
+          <a:effectRef idx="0">
+            <a:schemeClr val="accent1"/>
+          </a:effectRef>
+          <a:fontRef idx="minor">
+            <a:schemeClr val="lt1"/>
+          </a:fontRef>
+        </p:style>
+        <p:txBody>
+          <a:bodyPr rtlCol="0" anchor="ctr"/>
+          <a:p>
+            <a:pPr algn="ctr" defTabSz="914400"/>
+            <a:r>
+              <a:rPr kumimoji="0" lang="en-US" altLang="zh-CN" sz="1800" b="0" i="0" u="none" strike="noStrike" kern="0" cap="none" spc="0" normalizeH="0" baseline="0" noProof="0" dirty="0">
+                <a:ln>
+                  <a:noFill/>
+                </a:ln>
+                <a:solidFill>
+                  <a:sysClr val="windowText" lastClr="000000"/>
+                </a:solidFill>
+                <a:effectLst/>
+                <a:uLnTx/>
+                <a:uFillTx/>
+                <a:cs typeface="+mn-ea"/>
+                <a:sym typeface="+mn-lt"/>
+              </a:rPr>
+              <a:t>            docker</a:t>
+            </a:r>
+            <a:endParaRPr kumimoji="0" lang="en-US" altLang="zh-CN" sz="1800" b="0" i="0" u="none" strike="noStrike" kern="0" cap="none" spc="0" normalizeH="0" baseline="0" noProof="0" dirty="0">
+              <a:ln>
+                <a:noFill/>
+              </a:ln>
+              <a:solidFill>
+                <a:sysClr val="windowText" lastClr="000000"/>
+              </a:solidFill>
+              <a:effectLst/>
+              <a:uLnTx/>
+              <a:uFillTx/>
+              <a:cs typeface="+mn-ea"/>
+              <a:sym typeface="+mn-lt"/>
+            </a:endParaRPr>
+          </a:p>
+        </p:txBody>
+      </p:sp>
+      <p:sp>
+        <p:nvSpPr>
           <p:cNvPr id="2" name="内容占位符 1"/>
           <p:cNvSpPr>
             <a:spLocks noGrp="1"/>
@@ -17653,8 +17896,8 @@
         </p:nvSpPr>
         <p:spPr>
           <a:xfrm>
-            <a:off x="395605" y="1347470"/>
-            <a:ext cx="935990" cy="575945"/>
+            <a:off x="247015" y="1438910"/>
+            <a:ext cx="617855" cy="336550"/>
           </a:xfrm>
           <a:prstGeom prst="rect">
             <a:avLst/>
@@ -17730,8 +17973,686 @@
         </p:nvSpPr>
         <p:spPr>
           <a:xfrm>
-            <a:off x="2804160" y="1347470"/>
-            <a:ext cx="935990" cy="575945"/>
+            <a:off x="2803525" y="1438910"/>
+            <a:ext cx="610870" cy="427990"/>
+          </a:xfrm>
+          <a:prstGeom prst="rect">
+            <a:avLst/>
+          </a:prstGeom>
+          <a:solidFill>
+            <a:schemeClr val="accent5"/>
+          </a:solidFill>
+          <a:ln>
+            <a:noFill/>
+          </a:ln>
+        </p:spPr>
+        <p:style>
+          <a:lnRef idx="2">
+            <a:schemeClr val="accent1">
+              <a:shade val="50000"/>
+            </a:schemeClr>
+          </a:lnRef>
+          <a:fillRef idx="1">
+            <a:schemeClr val="accent1"/>
+          </a:fillRef>
+          <a:effectRef idx="0">
+            <a:schemeClr val="accent1"/>
+          </a:effectRef>
+          <a:fontRef idx="minor">
+            <a:schemeClr val="lt1"/>
+          </a:fontRef>
+        </p:style>
+        <p:txBody>
+          <a:bodyPr rtlCol="0" anchor="ctr"/>
+          <a:p>
+            <a:pPr algn="ctr" defTabSz="914400"/>
+            <a:r>
+              <a:rPr kumimoji="0" lang="zh-CN" altLang="en-US" sz="1200" b="0" i="0" u="none" strike="noStrike" kern="0" cap="none" spc="0" normalizeH="0" baseline="0" noProof="0" dirty="0">
+                <a:ln>
+                  <a:noFill/>
+                </a:ln>
+                <a:solidFill>
+                  <a:sysClr val="windowText" lastClr="000000"/>
+                </a:solidFill>
+                <a:effectLst/>
+                <a:uLnTx/>
+                <a:uFillTx/>
+                <a:latin typeface="仿宋" panose="02010609060101010101" charset="-122"/>
+                <a:ea typeface="仿宋" panose="02010609060101010101" charset="-122"/>
+                <a:cs typeface="+mn-ea"/>
+                <a:sym typeface="+mn-lt"/>
+              </a:rPr>
+              <a:t>对账系统</a:t>
+            </a:r>
+            <a:endParaRPr kumimoji="0" lang="zh-CN" altLang="en-US" sz="1200" b="0" i="0" u="none" strike="noStrike" kern="0" cap="none" spc="0" normalizeH="0" baseline="0" noProof="0" dirty="0">
+              <a:ln>
+                <a:noFill/>
+              </a:ln>
+              <a:solidFill>
+                <a:sysClr val="windowText" lastClr="000000"/>
+              </a:solidFill>
+              <a:effectLst/>
+              <a:uLnTx/>
+              <a:uFillTx/>
+              <a:latin typeface="仿宋" panose="02010609060101010101" charset="-122"/>
+              <a:ea typeface="仿宋" panose="02010609060101010101" charset="-122"/>
+              <a:cs typeface="+mn-ea"/>
+              <a:sym typeface="+mn-lt"/>
+            </a:endParaRPr>
+          </a:p>
+        </p:txBody>
+      </p:sp>
+      <p:sp>
+        <p:nvSpPr>
+          <p:cNvPr id="8" name="矩形 7"/>
+          <p:cNvSpPr/>
+          <p:nvPr/>
+        </p:nvSpPr>
+        <p:spPr>
+          <a:xfrm>
+            <a:off x="330835" y="2642870"/>
+            <a:ext cx="918210" cy="575310"/>
+          </a:xfrm>
+          <a:prstGeom prst="rect">
+            <a:avLst/>
+          </a:prstGeom>
+          <a:solidFill>
+            <a:schemeClr val="accent5"/>
+          </a:solidFill>
+          <a:ln>
+            <a:noFill/>
+          </a:ln>
+        </p:spPr>
+        <p:style>
+          <a:lnRef idx="2">
+            <a:schemeClr val="accent1">
+              <a:shade val="50000"/>
+            </a:schemeClr>
+          </a:lnRef>
+          <a:fillRef idx="1">
+            <a:schemeClr val="accent1"/>
+          </a:fillRef>
+          <a:effectRef idx="0">
+            <a:schemeClr val="accent1"/>
+          </a:effectRef>
+          <a:fontRef idx="minor">
+            <a:schemeClr val="lt1"/>
+          </a:fontRef>
+        </p:style>
+        <p:txBody>
+          <a:bodyPr rtlCol="0" anchor="ctr"/>
+          <a:p>
+            <a:pPr algn="ctr" defTabSz="914400"/>
+            <a:r>
+              <a:rPr kumimoji="0" lang="zh-CN" altLang="en-US" sz="1200" b="0" i="0" u="none" strike="noStrike" kern="0" cap="none" spc="0" normalizeH="0" baseline="0" noProof="0" dirty="0">
+                <a:ln>
+                  <a:noFill/>
+                </a:ln>
+                <a:solidFill>
+                  <a:sysClr val="windowText" lastClr="000000"/>
+                </a:solidFill>
+                <a:effectLst/>
+                <a:uLnTx/>
+                <a:uFillTx/>
+                <a:latin typeface="仿宋" panose="02010609060101010101" charset="-122"/>
+                <a:ea typeface="仿宋" panose="02010609060101010101" charset="-122"/>
+                <a:cs typeface="+mn-ea"/>
+                <a:sym typeface="+mn-lt"/>
+              </a:rPr>
+              <a:t>分表中间件</a:t>
+            </a:r>
+            <a:endParaRPr kumimoji="0" lang="zh-CN" altLang="en-US" sz="1200" b="0" i="0" u="none" strike="noStrike" kern="0" cap="none" spc="0" normalizeH="0" baseline="0" noProof="0" dirty="0">
+              <a:ln>
+                <a:noFill/>
+              </a:ln>
+              <a:solidFill>
+                <a:sysClr val="windowText" lastClr="000000"/>
+              </a:solidFill>
+              <a:effectLst/>
+              <a:uLnTx/>
+              <a:uFillTx/>
+              <a:latin typeface="仿宋" panose="02010609060101010101" charset="-122"/>
+              <a:ea typeface="仿宋" panose="02010609060101010101" charset="-122"/>
+              <a:cs typeface="+mn-ea"/>
+              <a:sym typeface="+mn-lt"/>
+            </a:endParaRPr>
+          </a:p>
+        </p:txBody>
+      </p:sp>
+      <p:sp>
+        <p:nvSpPr>
+          <p:cNvPr id="10" name="矩形 9"/>
+          <p:cNvSpPr/>
+          <p:nvPr/>
+        </p:nvSpPr>
+        <p:spPr>
+          <a:xfrm>
+            <a:off x="200660" y="3695065"/>
+            <a:ext cx="1518285" cy="815340"/>
+          </a:xfrm>
+          <a:prstGeom prst="rect">
+            <a:avLst/>
+          </a:prstGeom>
+          <a:solidFill>
+            <a:schemeClr val="accent5"/>
+          </a:solidFill>
+          <a:ln>
+            <a:noFill/>
+          </a:ln>
+        </p:spPr>
+        <p:style>
+          <a:lnRef idx="2">
+            <a:schemeClr val="accent1">
+              <a:shade val="50000"/>
+            </a:schemeClr>
+          </a:lnRef>
+          <a:fillRef idx="1">
+            <a:schemeClr val="accent1"/>
+          </a:fillRef>
+          <a:effectRef idx="0">
+            <a:schemeClr val="accent1"/>
+          </a:effectRef>
+          <a:fontRef idx="minor">
+            <a:schemeClr val="lt1"/>
+          </a:fontRef>
+        </p:style>
+        <p:txBody>
+          <a:bodyPr rtlCol="0" anchor="ctr"/>
+          <a:p>
+            <a:pPr algn="ctr" defTabSz="914400"/>
+            <a:endParaRPr kumimoji="0" lang="zh-CN" altLang="en-US" sz="1200" b="0" i="0" u="none" strike="noStrike" kern="0" cap="none" spc="0" normalizeH="0" baseline="0" noProof="0" dirty="0">
+              <a:ln>
+                <a:noFill/>
+              </a:ln>
+              <a:solidFill>
+                <a:sysClr val="windowText" lastClr="000000"/>
+              </a:solidFill>
+              <a:effectLst/>
+              <a:uLnTx/>
+              <a:uFillTx/>
+              <a:latin typeface="仿宋" panose="02010609060101010101" charset="-122"/>
+              <a:ea typeface="仿宋" panose="02010609060101010101" charset="-122"/>
+              <a:cs typeface="+mn-ea"/>
+              <a:sym typeface="+mn-lt"/>
+            </a:endParaRPr>
+          </a:p>
+        </p:txBody>
+      </p:sp>
+      <p:cxnSp>
+        <p:nvCxnSpPr>
+          <p:cNvPr id="12" name="直接箭头连接符 11"/>
+          <p:cNvCxnSpPr/>
+          <p:nvPr/>
+        </p:nvCxnSpPr>
+        <p:spPr>
+          <a:xfrm flipH="1">
+            <a:off x="3262630" y="1993265"/>
+            <a:ext cx="18415" cy="575945"/>
+          </a:xfrm>
+          <a:prstGeom prst="straightConnector1">
+            <a:avLst/>
+          </a:prstGeom>
+          <a:ln>
+            <a:tailEnd type="arrow"/>
+          </a:ln>
+        </p:spPr>
+        <p:style>
+          <a:lnRef idx="1">
+            <a:schemeClr val="accent1"/>
+          </a:lnRef>
+          <a:fillRef idx="0">
+            <a:schemeClr val="accent1"/>
+          </a:fillRef>
+          <a:effectRef idx="0">
+            <a:schemeClr val="accent1"/>
+          </a:effectRef>
+          <a:fontRef idx="minor">
+            <a:schemeClr val="tx1"/>
+          </a:fontRef>
+        </p:style>
+      </p:cxnSp>
+      <p:sp>
+        <p:nvSpPr>
+          <p:cNvPr id="18" name="流程图: 磁盘 17"/>
+          <p:cNvSpPr/>
+          <p:nvPr/>
+        </p:nvSpPr>
+        <p:spPr>
+          <a:xfrm>
+            <a:off x="417830" y="3867785"/>
+            <a:ext cx="447040" cy="470535"/>
+          </a:xfrm>
+          <a:prstGeom prst="flowChartMagneticDisk">
+            <a:avLst/>
+          </a:prstGeom>
+          <a:solidFill>
+            <a:schemeClr val="accent2">
+              <a:lumMod val="40000"/>
+              <a:lumOff val="60000"/>
+            </a:schemeClr>
+          </a:solidFill>
+          <a:ln>
+            <a:noFill/>
+          </a:ln>
+        </p:spPr>
+        <p:style>
+          <a:lnRef idx="2">
+            <a:schemeClr val="accent1">
+              <a:shade val="50000"/>
+            </a:schemeClr>
+          </a:lnRef>
+          <a:fillRef idx="1">
+            <a:schemeClr val="accent1"/>
+          </a:fillRef>
+          <a:effectRef idx="0">
+            <a:schemeClr val="accent1"/>
+          </a:effectRef>
+          <a:fontRef idx="minor">
+            <a:schemeClr val="lt1"/>
+          </a:fontRef>
+        </p:style>
+        <p:txBody>
+          <a:bodyPr rtlCol="0" anchor="ctr"/>
+          <a:p>
+            <a:pPr algn="ctr" defTabSz="914400"/>
+            <a:r>
+              <a:rPr kumimoji="0" lang="en-US" altLang="zh-CN" sz="1000" b="0" i="0" u="none" strike="noStrike" kern="0" cap="none" spc="0" normalizeH="0" baseline="0" noProof="0" dirty="0">
+                <a:ln>
+                  <a:noFill/>
+                </a:ln>
+                <a:solidFill>
+                  <a:sysClr val="windowText" lastClr="000000"/>
+                </a:solidFill>
+                <a:effectLst/>
+                <a:uLnTx/>
+                <a:uFillTx/>
+                <a:latin typeface="仿宋" panose="02010609060101010101" charset="-122"/>
+                <a:ea typeface="仿宋" panose="02010609060101010101" charset="-122"/>
+                <a:cs typeface="+mn-ea"/>
+                <a:sym typeface="+mn-lt"/>
+              </a:rPr>
+              <a:t>mysql</a:t>
+            </a:r>
+            <a:endParaRPr kumimoji="0" lang="en-US" altLang="zh-CN" sz="1000" b="0" i="0" u="none" strike="noStrike" kern="0" cap="none" spc="0" normalizeH="0" baseline="0" noProof="0" dirty="0">
+              <a:ln>
+                <a:noFill/>
+              </a:ln>
+              <a:solidFill>
+                <a:sysClr val="windowText" lastClr="000000"/>
+              </a:solidFill>
+              <a:effectLst/>
+              <a:uLnTx/>
+              <a:uFillTx/>
+              <a:latin typeface="仿宋" panose="02010609060101010101" charset="-122"/>
+              <a:ea typeface="仿宋" panose="02010609060101010101" charset="-122"/>
+              <a:cs typeface="+mn-ea"/>
+              <a:sym typeface="+mn-lt"/>
+            </a:endParaRPr>
+          </a:p>
+        </p:txBody>
+      </p:sp>
+      <p:sp>
+        <p:nvSpPr>
+          <p:cNvPr id="20" name="流程图: 磁盘 19"/>
+          <p:cNvSpPr/>
+          <p:nvPr/>
+        </p:nvSpPr>
+        <p:spPr>
+          <a:xfrm>
+            <a:off x="1184275" y="3867785"/>
+            <a:ext cx="447040" cy="470535"/>
+          </a:xfrm>
+          <a:prstGeom prst="flowChartMagneticDisk">
+            <a:avLst/>
+          </a:prstGeom>
+          <a:solidFill>
+            <a:schemeClr val="accent2">
+              <a:lumMod val="40000"/>
+              <a:lumOff val="60000"/>
+            </a:schemeClr>
+          </a:solidFill>
+          <a:ln>
+            <a:noFill/>
+          </a:ln>
+        </p:spPr>
+        <p:style>
+          <a:lnRef idx="2">
+            <a:schemeClr val="accent1">
+              <a:shade val="50000"/>
+            </a:schemeClr>
+          </a:lnRef>
+          <a:fillRef idx="1">
+            <a:schemeClr val="accent1"/>
+          </a:fillRef>
+          <a:effectRef idx="0">
+            <a:schemeClr val="accent1"/>
+          </a:effectRef>
+          <a:fontRef idx="minor">
+            <a:schemeClr val="lt1"/>
+          </a:fontRef>
+        </p:style>
+        <p:txBody>
+          <a:bodyPr rtlCol="0" anchor="ctr"/>
+          <a:p>
+            <a:pPr algn="ctr" defTabSz="914400"/>
+            <a:r>
+              <a:rPr kumimoji="0" lang="en-US" altLang="zh-CN" sz="1000" b="0" i="0" u="none" strike="noStrike" kern="0" cap="none" spc="0" normalizeH="0" baseline="0" noProof="0" dirty="0">
+                <a:ln>
+                  <a:noFill/>
+                </a:ln>
+                <a:solidFill>
+                  <a:sysClr val="windowText" lastClr="000000"/>
+                </a:solidFill>
+                <a:effectLst/>
+                <a:uLnTx/>
+                <a:uFillTx/>
+                <a:latin typeface="仿宋" panose="02010609060101010101" charset="-122"/>
+                <a:ea typeface="仿宋" panose="02010609060101010101" charset="-122"/>
+                <a:cs typeface="+mn-ea"/>
+                <a:sym typeface="+mn-lt"/>
+              </a:rPr>
+              <a:t>mysql</a:t>
+            </a:r>
+            <a:endParaRPr kumimoji="0" lang="en-US" altLang="zh-CN" sz="1000" b="0" i="0" u="none" strike="noStrike" kern="0" cap="none" spc="0" normalizeH="0" baseline="0" noProof="0" dirty="0">
+              <a:ln>
+                <a:noFill/>
+              </a:ln>
+              <a:solidFill>
+                <a:sysClr val="windowText" lastClr="000000"/>
+              </a:solidFill>
+              <a:effectLst/>
+              <a:uLnTx/>
+              <a:uFillTx/>
+              <a:latin typeface="仿宋" panose="02010609060101010101" charset="-122"/>
+              <a:ea typeface="仿宋" panose="02010609060101010101" charset="-122"/>
+              <a:cs typeface="+mn-ea"/>
+              <a:sym typeface="+mn-lt"/>
+            </a:endParaRPr>
+          </a:p>
+        </p:txBody>
+      </p:sp>
+      <p:sp>
+        <p:nvSpPr>
+          <p:cNvPr id="25" name="流程图: 磁盘 24"/>
+          <p:cNvSpPr/>
+          <p:nvPr/>
+        </p:nvSpPr>
+        <p:spPr>
+          <a:xfrm>
+            <a:off x="3415030" y="2748280"/>
+            <a:ext cx="447040" cy="470535"/>
+          </a:xfrm>
+          <a:prstGeom prst="flowChartMagneticDisk">
+            <a:avLst/>
+          </a:prstGeom>
+          <a:solidFill>
+            <a:schemeClr val="accent2">
+              <a:lumMod val="40000"/>
+              <a:lumOff val="60000"/>
+            </a:schemeClr>
+          </a:solidFill>
+          <a:ln>
+            <a:noFill/>
+          </a:ln>
+        </p:spPr>
+        <p:style>
+          <a:lnRef idx="2">
+            <a:schemeClr val="accent1">
+              <a:shade val="50000"/>
+            </a:schemeClr>
+          </a:lnRef>
+          <a:fillRef idx="1">
+            <a:schemeClr val="accent1"/>
+          </a:fillRef>
+          <a:effectRef idx="0">
+            <a:schemeClr val="accent1"/>
+          </a:effectRef>
+          <a:fontRef idx="minor">
+            <a:schemeClr val="lt1"/>
+          </a:fontRef>
+        </p:style>
+        <p:txBody>
+          <a:bodyPr rtlCol="0" anchor="ctr"/>
+          <a:p>
+            <a:pPr algn="ctr" defTabSz="914400"/>
+            <a:r>
+              <a:rPr kumimoji="0" lang="en-US" altLang="zh-CN" sz="1000" b="0" i="0" u="none" strike="noStrike" kern="0" cap="none" spc="0" normalizeH="0" baseline="0" noProof="0" dirty="0">
+                <a:ln>
+                  <a:noFill/>
+                </a:ln>
+                <a:solidFill>
+                  <a:sysClr val="windowText" lastClr="000000"/>
+                </a:solidFill>
+                <a:effectLst/>
+                <a:uLnTx/>
+                <a:uFillTx/>
+                <a:latin typeface="仿宋" panose="02010609060101010101" charset="-122"/>
+                <a:ea typeface="仿宋" panose="02010609060101010101" charset="-122"/>
+                <a:cs typeface="+mn-ea"/>
+                <a:sym typeface="+mn-lt"/>
+              </a:rPr>
+              <a:t>node</a:t>
+            </a:r>
+            <a:endParaRPr kumimoji="0" lang="en-US" altLang="zh-CN" sz="1000" b="0" i="0" u="none" strike="noStrike" kern="0" cap="none" spc="0" normalizeH="0" baseline="0" noProof="0" dirty="0">
+              <a:ln>
+                <a:noFill/>
+              </a:ln>
+              <a:solidFill>
+                <a:sysClr val="windowText" lastClr="000000"/>
+              </a:solidFill>
+              <a:effectLst/>
+              <a:uLnTx/>
+              <a:uFillTx/>
+              <a:latin typeface="仿宋" panose="02010609060101010101" charset="-122"/>
+              <a:ea typeface="仿宋" panose="02010609060101010101" charset="-122"/>
+              <a:cs typeface="+mn-ea"/>
+              <a:sym typeface="+mn-lt"/>
+            </a:endParaRPr>
+          </a:p>
+        </p:txBody>
+      </p:sp>
+      <p:sp>
+        <p:nvSpPr>
+          <p:cNvPr id="26" name="流程图: 磁盘 25"/>
+          <p:cNvSpPr/>
+          <p:nvPr/>
+        </p:nvSpPr>
+        <p:spPr>
+          <a:xfrm>
+            <a:off x="2815590" y="2747645"/>
+            <a:ext cx="447040" cy="470535"/>
+          </a:xfrm>
+          <a:prstGeom prst="flowChartMagneticDisk">
+            <a:avLst/>
+          </a:prstGeom>
+          <a:solidFill>
+            <a:schemeClr val="accent2">
+              <a:lumMod val="40000"/>
+              <a:lumOff val="60000"/>
+            </a:schemeClr>
+          </a:solidFill>
+          <a:ln>
+            <a:noFill/>
+          </a:ln>
+        </p:spPr>
+        <p:style>
+          <a:lnRef idx="2">
+            <a:schemeClr val="accent1">
+              <a:shade val="50000"/>
+            </a:schemeClr>
+          </a:lnRef>
+          <a:fillRef idx="1">
+            <a:schemeClr val="accent1"/>
+          </a:fillRef>
+          <a:effectRef idx="0">
+            <a:schemeClr val="accent1"/>
+          </a:effectRef>
+          <a:fontRef idx="minor">
+            <a:schemeClr val="lt1"/>
+          </a:fontRef>
+        </p:style>
+        <p:txBody>
+          <a:bodyPr rtlCol="0" anchor="ctr"/>
+          <a:p>
+            <a:pPr algn="ctr" defTabSz="914400"/>
+            <a:r>
+              <a:rPr kumimoji="0" lang="en-US" altLang="zh-CN" sz="1000" b="0" i="0" u="none" strike="noStrike" kern="0" cap="none" spc="0" normalizeH="0" baseline="0" noProof="0" dirty="0">
+                <a:ln>
+                  <a:noFill/>
+                </a:ln>
+                <a:solidFill>
+                  <a:sysClr val="windowText" lastClr="000000"/>
+                </a:solidFill>
+                <a:effectLst/>
+                <a:uLnTx/>
+                <a:uFillTx/>
+                <a:latin typeface="仿宋" panose="02010609060101010101" charset="-122"/>
+                <a:ea typeface="仿宋" panose="02010609060101010101" charset="-122"/>
+                <a:cs typeface="+mn-ea"/>
+                <a:sym typeface="+mn-lt"/>
+              </a:rPr>
+              <a:t>node</a:t>
+            </a:r>
+            <a:endParaRPr kumimoji="0" lang="en-US" altLang="zh-CN" sz="1000" b="0" i="0" u="none" strike="noStrike" kern="0" cap="none" spc="0" normalizeH="0" baseline="0" noProof="0" dirty="0">
+              <a:ln>
+                <a:noFill/>
+              </a:ln>
+              <a:solidFill>
+                <a:sysClr val="windowText" lastClr="000000"/>
+              </a:solidFill>
+              <a:effectLst/>
+              <a:uLnTx/>
+              <a:uFillTx/>
+              <a:latin typeface="仿宋" panose="02010609060101010101" charset="-122"/>
+              <a:ea typeface="仿宋" panose="02010609060101010101" charset="-122"/>
+              <a:cs typeface="+mn-ea"/>
+              <a:sym typeface="+mn-lt"/>
+            </a:endParaRPr>
+          </a:p>
+        </p:txBody>
+      </p:sp>
+      <p:cxnSp>
+        <p:nvCxnSpPr>
+          <p:cNvPr id="29" name="直接箭头连接符 28"/>
+          <p:cNvCxnSpPr>
+            <a:endCxn id="8" idx="0"/>
+          </p:cNvCxnSpPr>
+          <p:nvPr/>
+        </p:nvCxnSpPr>
+        <p:spPr>
+          <a:xfrm>
+            <a:off x="788670" y="2182495"/>
+            <a:ext cx="1270" cy="460375"/>
+          </a:xfrm>
+          <a:prstGeom prst="straightConnector1">
+            <a:avLst/>
+          </a:prstGeom>
+          <a:ln>
+            <a:tailEnd type="arrow"/>
+          </a:ln>
+        </p:spPr>
+        <p:style>
+          <a:lnRef idx="1">
+            <a:schemeClr val="accent1"/>
+          </a:lnRef>
+          <a:fillRef idx="0">
+            <a:schemeClr val="accent1"/>
+          </a:fillRef>
+          <a:effectRef idx="0">
+            <a:schemeClr val="accent1"/>
+          </a:effectRef>
+          <a:fontRef idx="minor">
+            <a:schemeClr val="tx1"/>
+          </a:fontRef>
+        </p:style>
+      </p:cxnSp>
+      <p:sp>
+        <p:nvSpPr>
+          <p:cNvPr id="31" name="矩形 30"/>
+          <p:cNvSpPr/>
+          <p:nvPr/>
+        </p:nvSpPr>
+        <p:spPr>
+          <a:xfrm>
+            <a:off x="1002030" y="1459230"/>
+            <a:ext cx="560705" cy="316230"/>
+          </a:xfrm>
+          <a:prstGeom prst="rect">
+            <a:avLst/>
+          </a:prstGeom>
+          <a:solidFill>
+            <a:schemeClr val="accent5"/>
+          </a:solidFill>
+          <a:ln>
+            <a:noFill/>
+          </a:ln>
+        </p:spPr>
+        <p:style>
+          <a:lnRef idx="2">
+            <a:schemeClr val="accent1">
+              <a:shade val="50000"/>
+            </a:schemeClr>
+          </a:lnRef>
+          <a:fillRef idx="1">
+            <a:schemeClr val="accent1"/>
+          </a:fillRef>
+          <a:effectRef idx="0">
+            <a:schemeClr val="accent1"/>
+          </a:effectRef>
+          <a:fontRef idx="minor">
+            <a:schemeClr val="lt1"/>
+          </a:fontRef>
+        </p:style>
+        <p:txBody>
+          <a:bodyPr rtlCol="0" anchor="ctr"/>
+          <a:p>
+            <a:pPr algn="ctr" defTabSz="914400"/>
+            <a:r>
+              <a:rPr kumimoji="0" lang="zh-CN" altLang="en-US" sz="1200" b="0" i="0" u="none" strike="noStrike" kern="0" cap="none" spc="0" normalizeH="0" baseline="0" noProof="0" dirty="0">
+                <a:ln>
+                  <a:noFill/>
+                </a:ln>
+                <a:solidFill>
+                  <a:sysClr val="windowText" lastClr="000000"/>
+                </a:solidFill>
+                <a:effectLst/>
+                <a:uLnTx/>
+                <a:uFillTx/>
+                <a:latin typeface="仿宋" panose="02010609060101010101" charset="-122"/>
+                <a:ea typeface="仿宋" panose="02010609060101010101" charset="-122"/>
+                <a:cs typeface="+mn-ea"/>
+                <a:sym typeface="+mn-lt"/>
+              </a:rPr>
+              <a:t>对账系统</a:t>
+            </a:r>
+            <a:endParaRPr kumimoji="0" lang="zh-CN" altLang="en-US" sz="1200" b="0" i="0" u="none" strike="noStrike" kern="0" cap="none" spc="0" normalizeH="0" baseline="0" noProof="0" dirty="0">
+              <a:ln>
+                <a:noFill/>
+              </a:ln>
+              <a:solidFill>
+                <a:sysClr val="windowText" lastClr="000000"/>
+              </a:solidFill>
+              <a:effectLst/>
+              <a:uLnTx/>
+              <a:uFillTx/>
+              <a:latin typeface="仿宋" panose="02010609060101010101" charset="-122"/>
+              <a:ea typeface="仿宋" panose="02010609060101010101" charset="-122"/>
+              <a:cs typeface="+mn-ea"/>
+              <a:sym typeface="+mn-lt"/>
+            </a:endParaRPr>
+          </a:p>
+        </p:txBody>
+      </p:sp>
+      <p:sp>
+        <p:nvSpPr>
+          <p:cNvPr id="33" name="矩形 32"/>
+          <p:cNvSpPr/>
+          <p:nvPr/>
+        </p:nvSpPr>
+        <p:spPr>
+          <a:xfrm>
+            <a:off x="3554730" y="1428115"/>
+            <a:ext cx="580390" cy="450215"/>
           </a:xfrm>
           <a:prstGeom prst="rect">
             <a:avLst/>
@@ -17801,17 +18722,14 @@
       </p:sp>
       <p:cxnSp>
         <p:nvCxnSpPr>
-          <p:cNvPr id="6" name="直接箭头连接符 5"/>
-          <p:cNvCxnSpPr>
-            <a:stCxn id="4" idx="2"/>
-            <a:endCxn id="8" idx="0"/>
-          </p:cNvCxnSpPr>
+          <p:cNvPr id="34" name="直接箭头连接符 33"/>
+          <p:cNvCxnSpPr/>
           <p:nvPr/>
         </p:nvCxnSpPr>
         <p:spPr>
-          <a:xfrm flipH="1">
-            <a:off x="845185" y="1923415"/>
-            <a:ext cx="18415" cy="575945"/>
+          <a:xfrm>
+            <a:off x="789940" y="3234690"/>
+            <a:ext cx="1270" cy="460375"/>
           </a:xfrm>
           <a:prstGeom prst="straightConnector1">
             <a:avLst/>
@@ -17837,337 +18755,88 @@
       </p:cxnSp>
       <p:sp>
         <p:nvSpPr>
-          <p:cNvPr id="8" name="矩形 7"/>
-          <p:cNvSpPr/>
+          <p:cNvPr id="35" name="文本框 34"/>
+          <p:cNvSpPr txBox="1"/>
           <p:nvPr/>
         </p:nvSpPr>
         <p:spPr>
           <a:xfrm>
-            <a:off x="377190" y="2499360"/>
-            <a:ext cx="935990" cy="575945"/>
+            <a:off x="3295015" y="3274060"/>
+            <a:ext cx="699770" cy="275590"/>
           </a:xfrm>
           <a:prstGeom prst="rect">
             <a:avLst/>
           </a:prstGeom>
-          <a:solidFill>
-            <a:schemeClr val="accent5"/>
-          </a:solidFill>
-          <a:ln>
-            <a:noFill/>
-          </a:ln>
+          <a:noFill/>
         </p:spPr>
-        <p:style>
-          <a:lnRef idx="2">
-            <a:schemeClr val="accent1">
-              <a:shade val="50000"/>
-            </a:schemeClr>
-          </a:lnRef>
-          <a:fillRef idx="1">
-            <a:schemeClr val="accent1"/>
-          </a:fillRef>
-          <a:effectRef idx="0">
-            <a:schemeClr val="accent1"/>
-          </a:effectRef>
-          <a:fontRef idx="minor">
-            <a:schemeClr val="lt1"/>
-          </a:fontRef>
-        </p:style>
         <p:txBody>
-          <a:bodyPr rtlCol="0" anchor="ctr"/>
+          <a:bodyPr wrap="square" rtlCol="0">
+            <a:spAutoFit/>
+          </a:bodyPr>
           <a:p>
-            <a:pPr algn="ctr" defTabSz="914400"/>
             <a:r>
-              <a:rPr kumimoji="0" lang="zh-CN" altLang="en-US" sz="1200" b="0" i="0" u="none" strike="noStrike" kern="0" cap="none" spc="0" normalizeH="0" baseline="0" noProof="0" dirty="0">
-                <a:ln>
-                  <a:noFill/>
-                </a:ln>
-                <a:solidFill>
-                  <a:sysClr val="windowText" lastClr="000000"/>
-                </a:solidFill>
-                <a:effectLst/>
-                <a:uLnTx/>
-                <a:uFillTx/>
+              <a:rPr lang="en-US" altLang="zh-CN" sz="1200">
                 <a:latin typeface="仿宋" panose="02010609060101010101" charset="-122"/>
                 <a:ea typeface="仿宋" panose="02010609060101010101" charset="-122"/>
-                <a:cs typeface="+mn-ea"/>
-                <a:sym typeface="+mn-lt"/>
               </a:rPr>
-              <a:t>分表中间件</a:t>
+              <a:t>ES</a:t>
             </a:r>
-            <a:endParaRPr kumimoji="0" lang="zh-CN" altLang="en-US" sz="1200" b="0" i="0" u="none" strike="noStrike" kern="0" cap="none" spc="0" normalizeH="0" baseline="0" noProof="0" dirty="0">
-              <a:ln>
-                <a:noFill/>
-              </a:ln>
-              <a:solidFill>
-                <a:sysClr val="windowText" lastClr="000000"/>
-              </a:solidFill>
-              <a:effectLst/>
-              <a:uLnTx/>
-              <a:uFillTx/>
+            <a:r>
+              <a:rPr lang="zh-CN" altLang="en-US" sz="1200">
+                <a:latin typeface="仿宋" panose="02010609060101010101" charset="-122"/>
+                <a:ea typeface="仿宋" panose="02010609060101010101" charset="-122"/>
+              </a:rPr>
+              <a:t>集群</a:t>
+            </a:r>
+            <a:endParaRPr lang="zh-CN" altLang="en-US" sz="1200">
               <a:latin typeface="仿宋" panose="02010609060101010101" charset="-122"/>
               <a:ea typeface="仿宋" panose="02010609060101010101" charset="-122"/>
-              <a:cs typeface="+mn-ea"/>
-              <a:sym typeface="+mn-lt"/>
             </a:endParaRPr>
           </a:p>
         </p:txBody>
       </p:sp>
       <p:sp>
         <p:nvSpPr>
-          <p:cNvPr id="9" name="矩形 8"/>
-          <p:cNvSpPr/>
+          <p:cNvPr id="36" name="文本框 35"/>
+          <p:cNvSpPr txBox="1"/>
           <p:nvPr/>
         </p:nvSpPr>
         <p:spPr>
           <a:xfrm>
-            <a:off x="2804160" y="2637790"/>
-            <a:ext cx="935990" cy="575945"/>
+            <a:off x="754380" y="4382770"/>
+            <a:ext cx="965200" cy="275590"/>
           </a:xfrm>
           <a:prstGeom prst="rect">
             <a:avLst/>
           </a:prstGeom>
-          <a:solidFill>
-            <a:schemeClr val="accent5"/>
-          </a:solidFill>
-          <a:ln>
-            <a:noFill/>
-          </a:ln>
+          <a:noFill/>
         </p:spPr>
-        <p:style>
-          <a:lnRef idx="2">
-            <a:schemeClr val="accent1">
-              <a:shade val="50000"/>
-            </a:schemeClr>
-          </a:lnRef>
-          <a:fillRef idx="1">
-            <a:schemeClr val="accent1"/>
-          </a:fillRef>
-          <a:effectRef idx="0">
-            <a:schemeClr val="accent1"/>
-          </a:effectRef>
-          <a:fontRef idx="minor">
-            <a:schemeClr val="lt1"/>
-          </a:fontRef>
-        </p:style>
         <p:txBody>
-          <a:bodyPr rtlCol="0" anchor="ctr"/>
+          <a:bodyPr wrap="square" rtlCol="0">
+            <a:spAutoFit/>
+          </a:bodyPr>
           <a:p>
-            <a:pPr algn="ctr" defTabSz="914400"/>
             <a:r>
-              <a:rPr kumimoji="0" lang="en-US" altLang="zh-CN" sz="1200" b="0" i="0" u="none" strike="noStrike" kern="0" cap="none" spc="0" normalizeH="0" baseline="0" noProof="0" dirty="0">
-                <a:ln>
-                  <a:noFill/>
-                </a:ln>
-                <a:solidFill>
-                  <a:sysClr val="windowText" lastClr="000000"/>
-                </a:solidFill>
-                <a:effectLst/>
-                <a:uLnTx/>
-                <a:uFillTx/>
+              <a:rPr lang="en-US" altLang="zh-CN" sz="1200">
                 <a:latin typeface="仿宋" panose="02010609060101010101" charset="-122"/>
                 <a:ea typeface="仿宋" panose="02010609060101010101" charset="-122"/>
-                <a:cs typeface="+mn-ea"/>
-                <a:sym typeface="+mn-lt"/>
               </a:rPr>
-              <a:t>ES</a:t>
+              <a:t>mysql </a:t>
             </a:r>
             <a:r>
-              <a:rPr kumimoji="0" lang="zh-CN" altLang="en-US" sz="1200" b="0" i="0" u="none" strike="noStrike" kern="0" cap="none" spc="0" normalizeH="0" baseline="0" noProof="0" dirty="0">
-                <a:ln>
-                  <a:noFill/>
-                </a:ln>
-                <a:solidFill>
-                  <a:sysClr val="windowText" lastClr="000000"/>
-                </a:solidFill>
-                <a:effectLst/>
-                <a:uLnTx/>
-                <a:uFillTx/>
+              <a:rPr lang="zh-CN" altLang="en-US" sz="1200">
                 <a:latin typeface="仿宋" panose="02010609060101010101" charset="-122"/>
                 <a:ea typeface="仿宋" panose="02010609060101010101" charset="-122"/>
-                <a:cs typeface="+mn-ea"/>
-                <a:sym typeface="+mn-lt"/>
               </a:rPr>
               <a:t>集群</a:t>
             </a:r>
-            <a:endParaRPr kumimoji="0" lang="zh-CN" altLang="en-US" sz="1200" b="0" i="0" u="none" strike="noStrike" kern="0" cap="none" spc="0" normalizeH="0" baseline="0" noProof="0" dirty="0">
-              <a:ln>
-                <a:noFill/>
-              </a:ln>
-              <a:solidFill>
-                <a:sysClr val="windowText" lastClr="000000"/>
-              </a:solidFill>
-              <a:effectLst/>
-              <a:uLnTx/>
-              <a:uFillTx/>
+            <a:endParaRPr lang="zh-CN" altLang="en-US" sz="1200">
               <a:latin typeface="仿宋" panose="02010609060101010101" charset="-122"/>
               <a:ea typeface="仿宋" panose="02010609060101010101" charset="-122"/>
-              <a:cs typeface="+mn-ea"/>
-              <a:sym typeface="+mn-lt"/>
             </a:endParaRPr>
           </a:p>
         </p:txBody>
       </p:sp>
-      <p:sp>
-        <p:nvSpPr>
-          <p:cNvPr id="10" name="矩形 9"/>
-          <p:cNvSpPr/>
-          <p:nvPr/>
-        </p:nvSpPr>
-        <p:spPr>
-          <a:xfrm>
-            <a:off x="417830" y="3651885"/>
-            <a:ext cx="935990" cy="575945"/>
-          </a:xfrm>
-          <a:prstGeom prst="rect">
-            <a:avLst/>
-          </a:prstGeom>
-          <a:solidFill>
-            <a:schemeClr val="accent5"/>
-          </a:solidFill>
-          <a:ln>
-            <a:noFill/>
-          </a:ln>
-        </p:spPr>
-        <p:style>
-          <a:lnRef idx="2">
-            <a:schemeClr val="accent1">
-              <a:shade val="50000"/>
-            </a:schemeClr>
-          </a:lnRef>
-          <a:fillRef idx="1">
-            <a:schemeClr val="accent1"/>
-          </a:fillRef>
-          <a:effectRef idx="0">
-            <a:schemeClr val="accent1"/>
-          </a:effectRef>
-          <a:fontRef idx="minor">
-            <a:schemeClr val="lt1"/>
-          </a:fontRef>
-        </p:style>
-        <p:txBody>
-          <a:bodyPr rtlCol="0" anchor="ctr"/>
-          <a:p>
-            <a:pPr algn="ctr" defTabSz="914400"/>
-            <a:r>
-              <a:rPr kumimoji="0" lang="en-US" altLang="zh-CN" sz="1200" b="0" i="0" u="none" strike="noStrike" kern="0" cap="none" spc="0" normalizeH="0" baseline="0" noProof="0" dirty="0">
-                <a:ln>
-                  <a:noFill/>
-                </a:ln>
-                <a:solidFill>
-                  <a:sysClr val="windowText" lastClr="000000"/>
-                </a:solidFill>
-                <a:effectLst/>
-                <a:uLnTx/>
-                <a:uFillTx/>
-                <a:latin typeface="仿宋" panose="02010609060101010101" charset="-122"/>
-                <a:ea typeface="仿宋" panose="02010609060101010101" charset="-122"/>
-                <a:cs typeface="+mn-ea"/>
-                <a:sym typeface="+mn-lt"/>
-              </a:rPr>
-              <a:t>mysql</a:t>
-            </a:r>
-            <a:r>
-              <a:rPr kumimoji="0" lang="zh-CN" altLang="en-US" sz="1200" b="0" i="0" u="none" strike="noStrike" kern="0" cap="none" spc="0" normalizeH="0" baseline="0" noProof="0" dirty="0">
-                <a:ln>
-                  <a:noFill/>
-                </a:ln>
-                <a:solidFill>
-                  <a:sysClr val="windowText" lastClr="000000"/>
-                </a:solidFill>
-                <a:effectLst/>
-                <a:uLnTx/>
-                <a:uFillTx/>
-                <a:latin typeface="仿宋" panose="02010609060101010101" charset="-122"/>
-                <a:ea typeface="仿宋" panose="02010609060101010101" charset="-122"/>
-                <a:cs typeface="+mn-ea"/>
-                <a:sym typeface="+mn-lt"/>
-              </a:rPr>
-              <a:t>集群，分表</a:t>
-            </a:r>
-            <a:endParaRPr kumimoji="0" lang="zh-CN" altLang="en-US" sz="1200" b="0" i="0" u="none" strike="noStrike" kern="0" cap="none" spc="0" normalizeH="0" baseline="0" noProof="0" dirty="0">
-              <a:ln>
-                <a:noFill/>
-              </a:ln>
-              <a:solidFill>
-                <a:sysClr val="windowText" lastClr="000000"/>
-              </a:solidFill>
-              <a:effectLst/>
-              <a:uLnTx/>
-              <a:uFillTx/>
-              <a:latin typeface="仿宋" panose="02010609060101010101" charset="-122"/>
-              <a:ea typeface="仿宋" panose="02010609060101010101" charset="-122"/>
-              <a:cs typeface="+mn-ea"/>
-              <a:sym typeface="+mn-lt"/>
-            </a:endParaRPr>
-          </a:p>
-        </p:txBody>
-      </p:sp>
-      <p:cxnSp>
-        <p:nvCxnSpPr>
-          <p:cNvPr id="11" name="直接箭头连接符 10"/>
-          <p:cNvCxnSpPr/>
-          <p:nvPr/>
-        </p:nvCxnSpPr>
-        <p:spPr>
-          <a:xfrm flipH="1">
-            <a:off x="826770" y="3075305"/>
-            <a:ext cx="18415" cy="575945"/>
-          </a:xfrm>
-          <a:prstGeom prst="straightConnector1">
-            <a:avLst/>
-          </a:prstGeom>
-          <a:ln>
-            <a:tailEnd type="arrow"/>
-          </a:ln>
-        </p:spPr>
-        <p:style>
-          <a:lnRef idx="1">
-            <a:schemeClr val="accent1"/>
-          </a:lnRef>
-          <a:fillRef idx="0">
-            <a:schemeClr val="accent1"/>
-          </a:fillRef>
-          <a:effectRef idx="0">
-            <a:schemeClr val="accent1"/>
-          </a:effectRef>
-          <a:fontRef idx="minor">
-            <a:schemeClr val="tx1"/>
-          </a:fontRef>
-        </p:style>
-      </p:cxnSp>
-      <p:cxnSp>
-        <p:nvCxnSpPr>
-          <p:cNvPr id="12" name="直接箭头连接符 11"/>
-          <p:cNvCxnSpPr/>
-          <p:nvPr/>
-        </p:nvCxnSpPr>
-        <p:spPr>
-          <a:xfrm flipH="1">
-            <a:off x="3262630" y="1993265"/>
-            <a:ext cx="18415" cy="575945"/>
-          </a:xfrm>
-          <a:prstGeom prst="straightConnector1">
-            <a:avLst/>
-          </a:prstGeom>
-          <a:ln>
-            <a:tailEnd type="arrow"/>
-          </a:ln>
-        </p:spPr>
-        <p:style>
-          <a:lnRef idx="1">
-            <a:schemeClr val="accent1"/>
-          </a:lnRef>
-          <a:fillRef idx="0">
-            <a:schemeClr val="accent1"/>
-          </a:fillRef>
-          <a:effectRef idx="0">
-            <a:schemeClr val="accent1"/>
-          </a:effectRef>
-          <a:fontRef idx="minor">
-            <a:schemeClr val="tx1"/>
-          </a:fontRef>
-        </p:style>
-      </p:cxnSp>
     </p:spTree>
   </p:cSld>
   <p:clrMapOvr>

--- a/src/doc/职级评审_商城技术部-王雷.pptx
+++ b/src/doc/职级评审_商城技术部-王雷.pptx
@@ -5,7 +5,7 @@
     <p:sldMasterId id="2147483648" r:id="rId1"/>
   </p:sldMasterIdLst>
   <p:notesMasterIdLst>
-    <p:notesMasterId r:id="rId13"/>
+    <p:notesMasterId r:id="rId14"/>
   </p:notesMasterIdLst>
   <p:sldIdLst>
     <p:sldId id="273" r:id="rId3"/>
@@ -15,9 +15,10 @@
     <p:sldId id="283" r:id="rId7"/>
     <p:sldId id="291" r:id="rId8"/>
     <p:sldId id="294" r:id="rId9"/>
-    <p:sldId id="297" r:id="rId10"/>
-    <p:sldId id="285" r:id="rId11"/>
-    <p:sldId id="277" r:id="rId12"/>
+    <p:sldId id="298" r:id="rId10"/>
+    <p:sldId id="297" r:id="rId11"/>
+    <p:sldId id="285" r:id="rId12"/>
+    <p:sldId id="277" r:id="rId13"/>
   </p:sldIdLst>
   <p:sldSz cx="9144000" cy="5143500" type="screen16x9"/>
   <p:notesSz cx="6858000" cy="9144000"/>
@@ -128,6 +129,7 @@
             <p14:sldId id="283"/>
             <p14:sldId id="291"/>
             <p14:sldId id="294"/>
+            <p14:sldId id="298"/>
             <p14:sldId id="297"/>
             <p14:sldId id="285"/>
             <p14:sldId id="277"/>
@@ -9984,6 +9986,83 @@
 </file>
 
 <file path=ppt/slides/slide10.xml><?xml version="1.0" encoding="utf-8"?>
+<p:sld xmlns:a="http://schemas.openxmlformats.org/drawingml/2006/main" xmlns:r="http://schemas.openxmlformats.org/officeDocument/2006/relationships" xmlns:p="http://schemas.openxmlformats.org/presentationml/2006/main">
+  <p:cSld>
+    <p:spTree>
+      <p:nvGrpSpPr>
+        <p:cNvPr id="1" name=""/>
+        <p:cNvGrpSpPr/>
+        <p:nvPr/>
+      </p:nvGrpSpPr>
+      <p:grpSpPr>
+        <a:xfrm>
+          <a:off x="0" y="0"/>
+          <a:ext cx="0" cy="0"/>
+          <a:chOff x="0" y="0"/>
+          <a:chExt cx="0" cy="0"/>
+        </a:xfrm>
+      </p:grpSpPr>
+      <p:sp>
+        <p:nvSpPr>
+          <p:cNvPr id="2" name="标题 1"/>
+          <p:cNvSpPr>
+            <a:spLocks noGrp="1"/>
+          </p:cNvSpPr>
+          <p:nvPr>
+            <p:ph type="title"/>
+          </p:nvPr>
+        </p:nvSpPr>
+        <p:spPr/>
+        <p:txBody>
+          <a:bodyPr>
+            <a:normAutofit/>
+          </a:bodyPr>
+          <a:lstStyle/>
+          <a:p>
+            <a:r>
+              <a:rPr lang="en-US" altLang="zh-CN" dirty="0"/>
+              <a:t>5</a:t>
+            </a:r>
+            <a:r>
+              <a:rPr lang="zh-CN" altLang="en-US" dirty="0" smtClean="0"/>
+              <a:t>、后期规划</a:t>
+            </a:r>
+            <a:endParaRPr lang="en-US" altLang="zh-CN" dirty="0"/>
+          </a:p>
+        </p:txBody>
+      </p:sp>
+      <p:graphicFrame>
+        <p:nvGraphicFramePr>
+          <p:cNvPr id="5" name="图示 4"/>
+          <p:cNvGraphicFramePr/>
+          <p:nvPr/>
+        </p:nvGraphicFramePr>
+        <p:xfrm>
+          <a:off x="1285852" y="1285866"/>
+          <a:ext cx="5500726" cy="3103570"/>
+        </p:xfrm>
+        <a:graphic>
+          <a:graphicData uri="http://schemas.openxmlformats.org/drawingml/2006/diagram">
+            <dgm:relIds xmlns:dgm="http://schemas.openxmlformats.org/drawingml/2006/diagram" xmlns:r="http://schemas.openxmlformats.org/officeDocument/2006/relationships" r:dm="rId1" r:lo="rId2" r:qs="rId3" r:cs="rId4"/>
+          </a:graphicData>
+        </a:graphic>
+      </p:graphicFrame>
+    </p:spTree>
+  </p:cSld>
+  <p:clrMapOvr>
+    <a:masterClrMapping/>
+  </p:clrMapOvr>
+  <p:timing>
+    <p:tnLst>
+      <p:par>
+        <p:cTn id="1" dur="indefinite" restart="never" nodeType="tmRoot"/>
+      </p:par>
+    </p:tnLst>
+  </p:timing>
+</p:sld>
+</file>
+
+<file path=ppt/slides/slide11.xml><?xml version="1.0" encoding="utf-8"?>
 <p:sld xmlns:a="http://schemas.openxmlformats.org/drawingml/2006/main" xmlns:r="http://schemas.openxmlformats.org/officeDocument/2006/relationships" xmlns:p="http://schemas.openxmlformats.org/presentationml/2006/main">
   <p:cSld>
     <p:spTree>
@@ -17409,14 +17488,58 @@
       <p:grpSpPr/>
       <p:sp>
         <p:nvSpPr>
-          <p:cNvPr id="27" name="矩形 26"/>
+          <p:cNvPr id="3" name="标题 2"/>
+          <p:cNvSpPr>
+            <a:spLocks noGrp="1"/>
+          </p:cNvSpPr>
+          <p:nvPr>
+            <p:ph type="title"/>
+          </p:nvPr>
+        </p:nvSpPr>
+        <p:spPr/>
+        <p:txBody>
+          <a:bodyPr>
+            <a:normAutofit/>
+          </a:bodyPr>
+          <a:p>
+            <a:r>
+              <a:rPr lang="en-US" altLang="zh-CN" dirty="0" smtClean="0">
+                <a:sym typeface="+mn-ea"/>
+              </a:rPr>
+              <a:t>4 </a:t>
+            </a:r>
+            <a:r>
+              <a:rPr lang="zh-CN" altLang="en-US" dirty="0" smtClean="0">
+                <a:sym typeface="+mn-ea"/>
+              </a:rPr>
+              <a:t>重点项目</a:t>
+            </a:r>
+            <a:r>
+              <a:rPr lang="en-US" altLang="zh-CN" dirty="0" smtClean="0">
+                <a:sym typeface="+mn-ea"/>
+              </a:rPr>
+              <a:t>-</a:t>
+            </a:r>
+            <a:r>
+              <a:rPr lang="zh-CN" altLang="en-US" dirty="0" smtClean="0">
+                <a:sym typeface="+mn-ea"/>
+              </a:rPr>
+              <a:t>对账系统</a:t>
+            </a:r>
+            <a:endParaRPr lang="zh-CN" altLang="en-US"/>
+          </a:p>
+        </p:txBody>
+      </p:sp>
+      <p:sp>
+        <p:nvSpPr>
+          <p:cNvPr id="4" name="矩形 3"/>
           <p:cNvSpPr/>
           <p:nvPr/>
         </p:nvSpPr>
         <p:spPr>
           <a:xfrm>
-            <a:off x="2525395" y="2575560"/>
-            <a:ext cx="1609725" cy="872490"/>
+            <a:off x="509270" y="2152650"/>
+            <a:ext cx="948690" cy="838835"/>
           </a:xfrm>
           <a:prstGeom prst="rect">
             <a:avLst/>
@@ -17448,6 +17571,42 @@
           <a:bodyPr rtlCol="0" anchor="ctr"/>
           <a:p>
             <a:pPr algn="ctr" defTabSz="914400"/>
+            <a:r>
+              <a:rPr kumimoji="0" lang="en-US" altLang="zh-CN" sz="1200" b="0" i="0" u="none" strike="noStrike" kern="0" cap="none" spc="0" normalizeH="0" baseline="0" noProof="0" dirty="0">
+                <a:ln>
+                  <a:noFill/>
+                </a:ln>
+                <a:solidFill>
+                  <a:sysClr val="windowText" lastClr="000000"/>
+                </a:solidFill>
+                <a:effectLst/>
+                <a:uLnTx/>
+                <a:uFillTx/>
+                <a:latin typeface="仿宋" panose="02010609060101010101" charset="-122"/>
+                <a:ea typeface="仿宋" panose="02010609060101010101" charset="-122"/>
+                <a:cs typeface="+mn-ea"/>
+                <a:sym typeface="+mn-lt"/>
+              </a:rPr>
+              <a:t>kafka </a:t>
+            </a:r>
+            <a:r>
+              <a:rPr kumimoji="0" lang="zh-CN" altLang="en-US" sz="1200" b="0" i="0" u="none" strike="noStrike" kern="0" cap="none" spc="0" normalizeH="0" baseline="0" noProof="0" dirty="0">
+                <a:ln>
+                  <a:noFill/>
+                </a:ln>
+                <a:solidFill>
+                  <a:sysClr val="windowText" lastClr="000000"/>
+                </a:solidFill>
+                <a:effectLst/>
+                <a:uLnTx/>
+                <a:uFillTx/>
+                <a:latin typeface="仿宋" panose="02010609060101010101" charset="-122"/>
+                <a:ea typeface="仿宋" panose="02010609060101010101" charset="-122"/>
+                <a:cs typeface="+mn-ea"/>
+                <a:sym typeface="+mn-lt"/>
+              </a:rPr>
+              <a:t>集群</a:t>
+            </a:r>
             <a:endParaRPr kumimoji="0" lang="zh-CN" altLang="en-US" sz="1200" b="0" i="0" u="none" strike="noStrike" kern="0" cap="none" spc="0" normalizeH="0" baseline="0" noProof="0" dirty="0">
               <a:ln>
                 <a:noFill/>
@@ -17466,6 +17625,1081 @@
           </a:p>
         </p:txBody>
       </p:sp>
+      <p:sp>
+        <p:nvSpPr>
+          <p:cNvPr id="6" name="左箭头 5"/>
+          <p:cNvSpPr/>
+          <p:nvPr/>
+        </p:nvSpPr>
+        <p:spPr>
+          <a:xfrm>
+            <a:off x="1457960" y="2431415"/>
+            <a:ext cx="784860" cy="144145"/>
+          </a:xfrm>
+          <a:prstGeom prst="leftArrow">
+            <a:avLst/>
+          </a:prstGeom>
+          <a:solidFill>
+            <a:schemeClr val="accent5"/>
+          </a:solidFill>
+          <a:ln>
+            <a:noFill/>
+          </a:ln>
+        </p:spPr>
+        <p:style>
+          <a:lnRef idx="2">
+            <a:schemeClr val="accent1">
+              <a:shade val="50000"/>
+            </a:schemeClr>
+          </a:lnRef>
+          <a:fillRef idx="1">
+            <a:schemeClr val="accent1"/>
+          </a:fillRef>
+          <a:effectRef idx="0">
+            <a:schemeClr val="accent1"/>
+          </a:effectRef>
+          <a:fontRef idx="minor">
+            <a:schemeClr val="lt1"/>
+          </a:fontRef>
+        </p:style>
+        <p:txBody>
+          <a:bodyPr rtlCol="0" anchor="ctr"/>
+          <a:p>
+            <a:pPr algn="ctr" defTabSz="914400"/>
+            <a:endParaRPr kumimoji="0" lang="zh-CN" altLang="en-US" sz="1800" b="0" i="0" u="none" strike="noStrike" kern="0" cap="none" spc="0" normalizeH="0" baseline="0" noProof="0" dirty="0">
+              <a:ln>
+                <a:noFill/>
+              </a:ln>
+              <a:solidFill>
+                <a:sysClr val="windowText" lastClr="000000"/>
+              </a:solidFill>
+              <a:effectLst/>
+              <a:uLnTx/>
+              <a:uFillTx/>
+              <a:cs typeface="+mn-ea"/>
+              <a:sym typeface="+mn-lt"/>
+            </a:endParaRPr>
+          </a:p>
+        </p:txBody>
+      </p:sp>
+      <p:sp>
+        <p:nvSpPr>
+          <p:cNvPr id="7" name="矩形 6"/>
+          <p:cNvSpPr/>
+          <p:nvPr/>
+        </p:nvSpPr>
+        <p:spPr>
+          <a:xfrm>
+            <a:off x="2332355" y="2148840"/>
+            <a:ext cx="1099185" cy="701675"/>
+          </a:xfrm>
+          <a:prstGeom prst="rect">
+            <a:avLst/>
+          </a:prstGeom>
+          <a:solidFill>
+            <a:schemeClr val="accent5"/>
+          </a:solidFill>
+          <a:ln>
+            <a:noFill/>
+          </a:ln>
+        </p:spPr>
+        <p:style>
+          <a:lnRef idx="2">
+            <a:schemeClr val="accent1">
+              <a:shade val="50000"/>
+            </a:schemeClr>
+          </a:lnRef>
+          <a:fillRef idx="1">
+            <a:schemeClr val="accent1"/>
+          </a:fillRef>
+          <a:effectRef idx="0">
+            <a:schemeClr val="accent1"/>
+          </a:effectRef>
+          <a:fontRef idx="minor">
+            <a:schemeClr val="lt1"/>
+          </a:fontRef>
+        </p:style>
+        <p:txBody>
+          <a:bodyPr rtlCol="0" anchor="ctr"/>
+          <a:p>
+            <a:pPr algn="ctr" defTabSz="914400"/>
+            <a:r>
+              <a:rPr kumimoji="0" lang="zh-CN" altLang="en-US" sz="1200" b="0" i="0" u="none" strike="noStrike" kern="0" cap="none" spc="0" normalizeH="0" baseline="0" noProof="0" dirty="0">
+                <a:ln>
+                  <a:noFill/>
+                </a:ln>
+                <a:solidFill>
+                  <a:sysClr val="windowText" lastClr="000000"/>
+                </a:solidFill>
+                <a:effectLst/>
+                <a:uLnTx/>
+                <a:uFillTx/>
+                <a:latin typeface="仿宋" panose="02010609060101010101" charset="-122"/>
+                <a:ea typeface="仿宋" panose="02010609060101010101" charset="-122"/>
+                <a:cs typeface="+mn-ea"/>
+                <a:sym typeface="+mn-lt"/>
+              </a:rPr>
+              <a:t>处理订单结算</a:t>
+            </a:r>
+            <a:endParaRPr kumimoji="0" lang="zh-CN" altLang="en-US" sz="1200" b="0" i="0" u="none" strike="noStrike" kern="0" cap="none" spc="0" normalizeH="0" baseline="0" noProof="0" dirty="0">
+              <a:ln>
+                <a:noFill/>
+              </a:ln>
+              <a:solidFill>
+                <a:sysClr val="windowText" lastClr="000000"/>
+              </a:solidFill>
+              <a:effectLst/>
+              <a:uLnTx/>
+              <a:uFillTx/>
+              <a:latin typeface="仿宋" panose="02010609060101010101" charset="-122"/>
+              <a:ea typeface="仿宋" panose="02010609060101010101" charset="-122"/>
+              <a:cs typeface="+mn-ea"/>
+              <a:sym typeface="+mn-lt"/>
+            </a:endParaRPr>
+          </a:p>
+        </p:txBody>
+      </p:sp>
+      <p:sp>
+        <p:nvSpPr>
+          <p:cNvPr id="10" name="左箭头 9"/>
+          <p:cNvSpPr/>
+          <p:nvPr/>
+        </p:nvSpPr>
+        <p:spPr>
+          <a:xfrm flipH="1">
+            <a:off x="3522980" y="2427605"/>
+            <a:ext cx="593725" cy="133350"/>
+          </a:xfrm>
+          <a:prstGeom prst="leftArrow">
+            <a:avLst/>
+          </a:prstGeom>
+          <a:solidFill>
+            <a:schemeClr val="accent5"/>
+          </a:solidFill>
+          <a:ln>
+            <a:noFill/>
+          </a:ln>
+        </p:spPr>
+        <p:style>
+          <a:lnRef idx="2">
+            <a:schemeClr val="accent1">
+              <a:shade val="50000"/>
+            </a:schemeClr>
+          </a:lnRef>
+          <a:fillRef idx="1">
+            <a:schemeClr val="accent1"/>
+          </a:fillRef>
+          <a:effectRef idx="0">
+            <a:schemeClr val="accent1"/>
+          </a:effectRef>
+          <a:fontRef idx="minor">
+            <a:schemeClr val="lt1"/>
+          </a:fontRef>
+        </p:style>
+        <p:txBody>
+          <a:bodyPr rtlCol="0" anchor="ctr"/>
+          <a:p>
+            <a:pPr algn="ctr" defTabSz="914400"/>
+            <a:endParaRPr kumimoji="0" lang="zh-CN" altLang="en-US" sz="1800" b="0" i="0" u="none" strike="noStrike" kern="0" cap="none" spc="0" normalizeH="0" baseline="0" noProof="0" dirty="0">
+              <a:ln>
+                <a:noFill/>
+              </a:ln>
+              <a:solidFill>
+                <a:sysClr val="windowText" lastClr="000000"/>
+              </a:solidFill>
+              <a:effectLst/>
+              <a:uLnTx/>
+              <a:uFillTx/>
+              <a:cs typeface="+mn-ea"/>
+              <a:sym typeface="+mn-lt"/>
+            </a:endParaRPr>
+          </a:p>
+        </p:txBody>
+      </p:sp>
+      <p:grpSp>
+        <p:nvGrpSpPr>
+          <p:cNvPr id="17" name="组合 16"/>
+          <p:cNvGrpSpPr/>
+          <p:nvPr/>
+        </p:nvGrpSpPr>
+        <p:grpSpPr>
+          <a:xfrm>
+            <a:off x="4116705" y="1237615"/>
+            <a:ext cx="1536065" cy="2952750"/>
+            <a:chOff x="5953" y="1895"/>
+            <a:chExt cx="2419" cy="4650"/>
+          </a:xfrm>
+        </p:grpSpPr>
+        <p:sp>
+          <p:nvSpPr>
+            <p:cNvPr id="16" name="圆角矩形 15"/>
+            <p:cNvSpPr/>
+            <p:nvPr/>
+          </p:nvSpPr>
+          <p:spPr>
+            <a:xfrm>
+              <a:off x="5953" y="1895"/>
+              <a:ext cx="2419" cy="4650"/>
+            </a:xfrm>
+            <a:prstGeom prst="roundRect">
+              <a:avLst/>
+            </a:prstGeom>
+            <a:solidFill>
+              <a:schemeClr val="accent2">
+                <a:lumMod val="40000"/>
+                <a:lumOff val="60000"/>
+              </a:schemeClr>
+            </a:solidFill>
+            <a:ln>
+              <a:noFill/>
+            </a:ln>
+          </p:spPr>
+          <p:style>
+            <a:lnRef idx="2">
+              <a:schemeClr val="accent1">
+                <a:shade val="50000"/>
+              </a:schemeClr>
+            </a:lnRef>
+            <a:fillRef idx="1">
+              <a:schemeClr val="accent1"/>
+            </a:fillRef>
+            <a:effectRef idx="0">
+              <a:schemeClr val="accent1"/>
+            </a:effectRef>
+            <a:fontRef idx="minor">
+              <a:schemeClr val="lt1"/>
+            </a:fontRef>
+          </p:style>
+          <p:txBody>
+            <a:bodyPr rtlCol="0" anchor="ctr"/>
+            <a:p>
+              <a:pPr algn="ctr" defTabSz="914400"/>
+              <a:endParaRPr kumimoji="0" lang="zh-CN" altLang="en-US" sz="1800" b="0" i="0" u="none" strike="noStrike" kern="0" cap="none" spc="0" normalizeH="0" baseline="0" noProof="0" dirty="0">
+                <a:ln>
+                  <a:noFill/>
+                </a:ln>
+                <a:solidFill>
+                  <a:sysClr val="windowText" lastClr="000000"/>
+                </a:solidFill>
+                <a:effectLst/>
+                <a:uLnTx/>
+                <a:uFillTx/>
+                <a:cs typeface="+mn-ea"/>
+                <a:sym typeface="+mn-lt"/>
+              </a:endParaRPr>
+            </a:p>
+          </p:txBody>
+        </p:sp>
+        <p:sp>
+          <p:nvSpPr>
+            <p:cNvPr id="8" name="矩形 7"/>
+            <p:cNvSpPr/>
+            <p:nvPr/>
+          </p:nvSpPr>
+          <p:spPr>
+            <a:xfrm>
+              <a:off x="6339" y="3501"/>
+              <a:ext cx="1731" cy="889"/>
+            </a:xfrm>
+            <a:prstGeom prst="rect">
+              <a:avLst/>
+            </a:prstGeom>
+            <a:solidFill>
+              <a:schemeClr val="accent5"/>
+            </a:solidFill>
+            <a:ln>
+              <a:noFill/>
+            </a:ln>
+          </p:spPr>
+          <p:style>
+            <a:lnRef idx="2">
+              <a:schemeClr val="accent1">
+                <a:shade val="50000"/>
+              </a:schemeClr>
+            </a:lnRef>
+            <a:fillRef idx="1">
+              <a:schemeClr val="accent1"/>
+            </a:fillRef>
+            <a:effectRef idx="0">
+              <a:schemeClr val="accent1"/>
+            </a:effectRef>
+            <a:fontRef idx="minor">
+              <a:schemeClr val="lt1"/>
+            </a:fontRef>
+          </p:style>
+          <p:txBody>
+            <a:bodyPr rtlCol="0" anchor="ctr"/>
+            <a:p>
+              <a:pPr algn="ctr" defTabSz="914400"/>
+              <a:r>
+                <a:rPr kumimoji="0" lang="zh-CN" altLang="en-US" sz="1200" b="0" i="0" u="none" strike="noStrike" kern="0" cap="none" spc="0" normalizeH="0" baseline="0" noProof="0" dirty="0">
+                  <a:ln>
+                    <a:noFill/>
+                  </a:ln>
+                  <a:solidFill>
+                    <a:sysClr val="windowText" lastClr="000000"/>
+                  </a:solidFill>
+                  <a:effectLst/>
+                  <a:uLnTx/>
+                  <a:uFillTx/>
+                  <a:latin typeface="仿宋" panose="02010609060101010101" charset="-122"/>
+                  <a:ea typeface="仿宋" panose="02010609060101010101" charset="-122"/>
+                  <a:cs typeface="+mn-ea"/>
+                  <a:sym typeface="+mn-lt"/>
+                </a:rPr>
+                <a:t>处理订单结算详情</a:t>
+              </a:r>
+              <a:endParaRPr kumimoji="0" lang="zh-CN" altLang="en-US" sz="1200" b="0" i="0" u="none" strike="noStrike" kern="0" cap="none" spc="0" normalizeH="0" baseline="0" noProof="0" dirty="0">
+                <a:ln>
+                  <a:noFill/>
+                </a:ln>
+                <a:solidFill>
+                  <a:sysClr val="windowText" lastClr="000000"/>
+                </a:solidFill>
+                <a:effectLst/>
+                <a:uLnTx/>
+                <a:uFillTx/>
+                <a:latin typeface="仿宋" panose="02010609060101010101" charset="-122"/>
+                <a:ea typeface="仿宋" panose="02010609060101010101" charset="-122"/>
+                <a:cs typeface="+mn-ea"/>
+                <a:sym typeface="+mn-lt"/>
+              </a:endParaRPr>
+            </a:p>
+          </p:txBody>
+        </p:sp>
+        <p:sp>
+          <p:nvSpPr>
+            <p:cNvPr id="14" name="矩形 13"/>
+            <p:cNvSpPr/>
+            <p:nvPr/>
+          </p:nvSpPr>
+          <p:spPr>
+            <a:xfrm>
+              <a:off x="6339" y="4871"/>
+              <a:ext cx="1731" cy="889"/>
+            </a:xfrm>
+            <a:prstGeom prst="rect">
+              <a:avLst/>
+            </a:prstGeom>
+            <a:solidFill>
+              <a:schemeClr val="accent5"/>
+            </a:solidFill>
+            <a:ln>
+              <a:noFill/>
+            </a:ln>
+          </p:spPr>
+          <p:style>
+            <a:lnRef idx="2">
+              <a:schemeClr val="accent1">
+                <a:shade val="50000"/>
+              </a:schemeClr>
+            </a:lnRef>
+            <a:fillRef idx="1">
+              <a:schemeClr val="accent1"/>
+            </a:fillRef>
+            <a:effectRef idx="0">
+              <a:schemeClr val="accent1"/>
+            </a:effectRef>
+            <a:fontRef idx="minor">
+              <a:schemeClr val="lt1"/>
+            </a:fontRef>
+          </p:style>
+          <p:txBody>
+            <a:bodyPr rtlCol="0" anchor="ctr"/>
+            <a:p>
+              <a:pPr algn="ctr" defTabSz="914400"/>
+              <a:r>
+                <a:rPr kumimoji="0" lang="zh-CN" altLang="en-US" sz="1200" b="0" i="0" u="none" strike="noStrike" kern="0" cap="none" spc="0" normalizeH="0" baseline="0" noProof="0" dirty="0">
+                  <a:ln>
+                    <a:noFill/>
+                  </a:ln>
+                  <a:solidFill>
+                    <a:sysClr val="windowText" lastClr="000000"/>
+                  </a:solidFill>
+                  <a:effectLst/>
+                  <a:uLnTx/>
+                  <a:uFillTx/>
+                  <a:latin typeface="仿宋" panose="02010609060101010101" charset="-122"/>
+                  <a:ea typeface="仿宋" panose="02010609060101010101" charset="-122"/>
+                  <a:cs typeface="+mn-ea"/>
+                  <a:sym typeface="+mn-lt"/>
+                </a:rPr>
+                <a:t>处理订单结算详情</a:t>
+              </a:r>
+              <a:endParaRPr kumimoji="0" lang="zh-CN" altLang="en-US" sz="1200" b="0" i="0" u="none" strike="noStrike" kern="0" cap="none" spc="0" normalizeH="0" baseline="0" noProof="0" dirty="0">
+                <a:ln>
+                  <a:noFill/>
+                </a:ln>
+                <a:solidFill>
+                  <a:sysClr val="windowText" lastClr="000000"/>
+                </a:solidFill>
+                <a:effectLst/>
+                <a:uLnTx/>
+                <a:uFillTx/>
+                <a:latin typeface="仿宋" panose="02010609060101010101" charset="-122"/>
+                <a:ea typeface="仿宋" panose="02010609060101010101" charset="-122"/>
+                <a:cs typeface="+mn-ea"/>
+                <a:sym typeface="+mn-lt"/>
+              </a:endParaRPr>
+            </a:p>
+          </p:txBody>
+        </p:sp>
+        <p:sp>
+          <p:nvSpPr>
+            <p:cNvPr id="15" name="矩形 14"/>
+            <p:cNvSpPr/>
+            <p:nvPr/>
+          </p:nvSpPr>
+          <p:spPr>
+            <a:xfrm>
+              <a:off x="6339" y="2162"/>
+              <a:ext cx="1731" cy="889"/>
+            </a:xfrm>
+            <a:prstGeom prst="rect">
+              <a:avLst/>
+            </a:prstGeom>
+            <a:solidFill>
+              <a:schemeClr val="accent5"/>
+            </a:solidFill>
+            <a:ln>
+              <a:noFill/>
+            </a:ln>
+          </p:spPr>
+          <p:style>
+            <a:lnRef idx="2">
+              <a:schemeClr val="accent1">
+                <a:shade val="50000"/>
+              </a:schemeClr>
+            </a:lnRef>
+            <a:fillRef idx="1">
+              <a:schemeClr val="accent1"/>
+            </a:fillRef>
+            <a:effectRef idx="0">
+              <a:schemeClr val="accent1"/>
+            </a:effectRef>
+            <a:fontRef idx="minor">
+              <a:schemeClr val="lt1"/>
+            </a:fontRef>
+          </p:style>
+          <p:txBody>
+            <a:bodyPr rtlCol="0" anchor="ctr"/>
+            <a:p>
+              <a:pPr algn="ctr" defTabSz="914400"/>
+              <a:r>
+                <a:rPr kumimoji="0" lang="zh-CN" altLang="en-US" sz="1200" b="0" i="0" u="none" strike="noStrike" kern="0" cap="none" spc="0" normalizeH="0" baseline="0" noProof="0" dirty="0">
+                  <a:ln>
+                    <a:noFill/>
+                  </a:ln>
+                  <a:solidFill>
+                    <a:sysClr val="windowText" lastClr="000000"/>
+                  </a:solidFill>
+                  <a:effectLst/>
+                  <a:uLnTx/>
+                  <a:uFillTx/>
+                  <a:latin typeface="仿宋" panose="02010609060101010101" charset="-122"/>
+                  <a:ea typeface="仿宋" panose="02010609060101010101" charset="-122"/>
+                  <a:cs typeface="+mn-ea"/>
+                  <a:sym typeface="+mn-lt"/>
+                </a:rPr>
+                <a:t>处理订单结算详情</a:t>
+              </a:r>
+              <a:endParaRPr kumimoji="0" lang="zh-CN" altLang="en-US" sz="1200" b="0" i="0" u="none" strike="noStrike" kern="0" cap="none" spc="0" normalizeH="0" baseline="0" noProof="0" dirty="0">
+                <a:ln>
+                  <a:noFill/>
+                </a:ln>
+                <a:solidFill>
+                  <a:sysClr val="windowText" lastClr="000000"/>
+                </a:solidFill>
+                <a:effectLst/>
+                <a:uLnTx/>
+                <a:uFillTx/>
+                <a:latin typeface="仿宋" panose="02010609060101010101" charset="-122"/>
+                <a:ea typeface="仿宋" panose="02010609060101010101" charset="-122"/>
+                <a:cs typeface="+mn-ea"/>
+                <a:sym typeface="+mn-lt"/>
+              </a:endParaRPr>
+            </a:p>
+          </p:txBody>
+        </p:sp>
+      </p:grpSp>
+      <p:sp>
+        <p:nvSpPr>
+          <p:cNvPr id="18" name="左箭头 17"/>
+          <p:cNvSpPr/>
+          <p:nvPr/>
+        </p:nvSpPr>
+        <p:spPr>
+          <a:xfrm flipH="1">
+            <a:off x="5730240" y="2427605"/>
+            <a:ext cx="593725" cy="133350"/>
+          </a:xfrm>
+          <a:prstGeom prst="leftArrow">
+            <a:avLst/>
+          </a:prstGeom>
+          <a:solidFill>
+            <a:schemeClr val="accent5"/>
+          </a:solidFill>
+          <a:ln>
+            <a:noFill/>
+          </a:ln>
+        </p:spPr>
+        <p:style>
+          <a:lnRef idx="2">
+            <a:schemeClr val="accent1">
+              <a:shade val="50000"/>
+            </a:schemeClr>
+          </a:lnRef>
+          <a:fillRef idx="1">
+            <a:schemeClr val="accent1"/>
+          </a:fillRef>
+          <a:effectRef idx="0">
+            <a:schemeClr val="accent1"/>
+          </a:effectRef>
+          <a:fontRef idx="minor">
+            <a:schemeClr val="lt1"/>
+          </a:fontRef>
+        </p:style>
+        <p:txBody>
+          <a:bodyPr rtlCol="0" anchor="ctr"/>
+          <a:p>
+            <a:pPr algn="ctr" defTabSz="914400"/>
+            <a:endParaRPr kumimoji="0" lang="zh-CN" altLang="en-US" sz="1800" b="0" i="0" u="none" strike="noStrike" kern="0" cap="none" spc="0" normalizeH="0" baseline="0" noProof="0" dirty="0">
+              <a:ln>
+                <a:noFill/>
+              </a:ln>
+              <a:solidFill>
+                <a:sysClr val="windowText" lastClr="000000"/>
+              </a:solidFill>
+              <a:effectLst/>
+              <a:uLnTx/>
+              <a:uFillTx/>
+              <a:cs typeface="+mn-ea"/>
+              <a:sym typeface="+mn-lt"/>
+            </a:endParaRPr>
+          </a:p>
+        </p:txBody>
+      </p:sp>
+      <p:sp>
+        <p:nvSpPr>
+          <p:cNvPr id="19" name="矩形 18"/>
+          <p:cNvSpPr/>
+          <p:nvPr/>
+        </p:nvSpPr>
+        <p:spPr>
+          <a:xfrm>
+            <a:off x="6402705" y="2152650"/>
+            <a:ext cx="1099185" cy="701675"/>
+          </a:xfrm>
+          <a:prstGeom prst="rect">
+            <a:avLst/>
+          </a:prstGeom>
+          <a:solidFill>
+            <a:schemeClr val="accent5"/>
+          </a:solidFill>
+          <a:ln>
+            <a:noFill/>
+          </a:ln>
+        </p:spPr>
+        <p:style>
+          <a:lnRef idx="2">
+            <a:schemeClr val="accent1">
+              <a:shade val="50000"/>
+            </a:schemeClr>
+          </a:lnRef>
+          <a:fillRef idx="1">
+            <a:schemeClr val="accent1"/>
+          </a:fillRef>
+          <a:effectRef idx="0">
+            <a:schemeClr val="accent1"/>
+          </a:effectRef>
+          <a:fontRef idx="minor">
+            <a:schemeClr val="lt1"/>
+          </a:fontRef>
+        </p:style>
+        <p:txBody>
+          <a:bodyPr rtlCol="0" anchor="ctr"/>
+          <a:p>
+            <a:pPr algn="ctr" defTabSz="914400"/>
+            <a:r>
+              <a:rPr kumimoji="0" lang="zh-CN" altLang="en-US" sz="1200" b="0" i="0" u="none" strike="noStrike" kern="0" cap="none" spc="0" normalizeH="0" baseline="0" noProof="0" dirty="0">
+                <a:ln>
+                  <a:noFill/>
+                </a:ln>
+                <a:solidFill>
+                  <a:sysClr val="windowText" lastClr="000000"/>
+                </a:solidFill>
+                <a:effectLst/>
+                <a:uLnTx/>
+                <a:uFillTx/>
+                <a:latin typeface="仿宋" panose="02010609060101010101" charset="-122"/>
+                <a:ea typeface="仿宋" panose="02010609060101010101" charset="-122"/>
+                <a:cs typeface="+mn-ea"/>
+                <a:sym typeface="+mn-lt"/>
+              </a:rPr>
+              <a:t>生成付款单</a:t>
+            </a:r>
+            <a:endParaRPr kumimoji="0" lang="zh-CN" altLang="en-US" sz="1200" b="0" i="0" u="none" strike="noStrike" kern="0" cap="none" spc="0" normalizeH="0" baseline="0" noProof="0" dirty="0">
+              <a:ln>
+                <a:noFill/>
+              </a:ln>
+              <a:solidFill>
+                <a:sysClr val="windowText" lastClr="000000"/>
+              </a:solidFill>
+              <a:effectLst/>
+              <a:uLnTx/>
+              <a:uFillTx/>
+              <a:latin typeface="仿宋" panose="02010609060101010101" charset="-122"/>
+              <a:ea typeface="仿宋" panose="02010609060101010101" charset="-122"/>
+              <a:cs typeface="+mn-ea"/>
+              <a:sym typeface="+mn-lt"/>
+            </a:endParaRPr>
+          </a:p>
+        </p:txBody>
+      </p:sp>
+      <p:sp>
+        <p:nvSpPr>
+          <p:cNvPr id="20" name="圆柱形 19"/>
+          <p:cNvSpPr/>
+          <p:nvPr/>
+        </p:nvSpPr>
+        <p:spPr>
+          <a:xfrm>
+            <a:off x="6588125" y="3291840"/>
+            <a:ext cx="575945" cy="648335"/>
+          </a:xfrm>
+          <a:prstGeom prst="can">
+            <a:avLst/>
+          </a:prstGeom>
+          <a:solidFill>
+            <a:schemeClr val="accent5"/>
+          </a:solidFill>
+          <a:ln>
+            <a:noFill/>
+          </a:ln>
+        </p:spPr>
+        <p:style>
+          <a:lnRef idx="2">
+            <a:schemeClr val="accent1">
+              <a:shade val="50000"/>
+            </a:schemeClr>
+          </a:lnRef>
+          <a:fillRef idx="1">
+            <a:schemeClr val="accent1"/>
+          </a:fillRef>
+          <a:effectRef idx="0">
+            <a:schemeClr val="accent1"/>
+          </a:effectRef>
+          <a:fontRef idx="minor">
+            <a:schemeClr val="lt1"/>
+          </a:fontRef>
+        </p:style>
+        <p:txBody>
+          <a:bodyPr rtlCol="0" anchor="ctr"/>
+          <a:p>
+            <a:pPr algn="ctr" defTabSz="914400"/>
+            <a:r>
+              <a:rPr kumimoji="0" lang="en-US" altLang="zh-CN" sz="1800" b="0" i="0" u="none" strike="noStrike" kern="0" cap="none" spc="0" normalizeH="0" baseline="0" noProof="0" dirty="0">
+                <a:ln>
+                  <a:noFill/>
+                </a:ln>
+                <a:solidFill>
+                  <a:sysClr val="windowText" lastClr="000000"/>
+                </a:solidFill>
+                <a:effectLst/>
+                <a:uLnTx/>
+                <a:uFillTx/>
+                <a:cs typeface="+mn-ea"/>
+                <a:sym typeface="+mn-lt"/>
+              </a:rPr>
+              <a:t>redis</a:t>
+            </a:r>
+            <a:endParaRPr kumimoji="0" lang="en-US" altLang="zh-CN" sz="1800" b="0" i="0" u="none" strike="noStrike" kern="0" cap="none" spc="0" normalizeH="0" baseline="0" noProof="0" dirty="0">
+              <a:ln>
+                <a:noFill/>
+              </a:ln>
+              <a:solidFill>
+                <a:sysClr val="windowText" lastClr="000000"/>
+              </a:solidFill>
+              <a:effectLst/>
+              <a:uLnTx/>
+              <a:uFillTx/>
+              <a:cs typeface="+mn-ea"/>
+              <a:sym typeface="+mn-lt"/>
+            </a:endParaRPr>
+          </a:p>
+        </p:txBody>
+      </p:sp>
+      <p:sp>
+        <p:nvSpPr>
+          <p:cNvPr id="21" name="左右箭头 20"/>
+          <p:cNvSpPr/>
+          <p:nvPr/>
+        </p:nvSpPr>
+        <p:spPr>
+          <a:xfrm>
+            <a:off x="5723890" y="3651250"/>
+            <a:ext cx="792480" cy="76200"/>
+          </a:xfrm>
+          <a:prstGeom prst="leftRightArrow">
+            <a:avLst/>
+          </a:prstGeom>
+          <a:solidFill>
+            <a:schemeClr val="accent5"/>
+          </a:solidFill>
+          <a:ln>
+            <a:noFill/>
+          </a:ln>
+        </p:spPr>
+        <p:style>
+          <a:lnRef idx="2">
+            <a:schemeClr val="accent1">
+              <a:shade val="50000"/>
+            </a:schemeClr>
+          </a:lnRef>
+          <a:fillRef idx="1">
+            <a:schemeClr val="accent1"/>
+          </a:fillRef>
+          <a:effectRef idx="0">
+            <a:schemeClr val="accent1"/>
+          </a:effectRef>
+          <a:fontRef idx="minor">
+            <a:schemeClr val="lt1"/>
+          </a:fontRef>
+        </p:style>
+        <p:txBody>
+          <a:bodyPr rtlCol="0" anchor="ctr"/>
+          <a:p>
+            <a:pPr algn="ctr" defTabSz="914400"/>
+            <a:endParaRPr kumimoji="0" lang="zh-CN" altLang="en-US" sz="1800" b="0" i="0" u="none" strike="noStrike" kern="0" cap="none" spc="0" normalizeH="0" baseline="0" noProof="0" dirty="0">
+              <a:ln>
+                <a:noFill/>
+              </a:ln>
+              <a:solidFill>
+                <a:sysClr val="windowText" lastClr="000000"/>
+              </a:solidFill>
+              <a:effectLst/>
+              <a:uLnTx/>
+              <a:uFillTx/>
+              <a:cs typeface="+mn-ea"/>
+              <a:sym typeface="+mn-lt"/>
+            </a:endParaRPr>
+          </a:p>
+        </p:txBody>
+      </p:sp>
+      <p:sp>
+        <p:nvSpPr>
+          <p:cNvPr id="23" name="上下箭头 22"/>
+          <p:cNvSpPr/>
+          <p:nvPr/>
+        </p:nvSpPr>
+        <p:spPr>
+          <a:xfrm>
+            <a:off x="6815455" y="2854325"/>
+            <a:ext cx="121285" cy="360045"/>
+          </a:xfrm>
+          <a:prstGeom prst="upDownArrow">
+            <a:avLst/>
+          </a:prstGeom>
+          <a:solidFill>
+            <a:schemeClr val="accent5"/>
+          </a:solidFill>
+          <a:ln>
+            <a:noFill/>
+          </a:ln>
+        </p:spPr>
+        <p:style>
+          <a:lnRef idx="2">
+            <a:schemeClr val="accent1">
+              <a:shade val="50000"/>
+            </a:schemeClr>
+          </a:lnRef>
+          <a:fillRef idx="1">
+            <a:schemeClr val="accent1"/>
+          </a:fillRef>
+          <a:effectRef idx="0">
+            <a:schemeClr val="accent1"/>
+          </a:effectRef>
+          <a:fontRef idx="minor">
+            <a:schemeClr val="lt1"/>
+          </a:fontRef>
+        </p:style>
+        <p:txBody>
+          <a:bodyPr rtlCol="0" anchor="ctr"/>
+          <a:p>
+            <a:pPr algn="ctr" defTabSz="914400"/>
+            <a:endParaRPr kumimoji="0" lang="zh-CN" altLang="en-US" sz="1800" b="0" i="0" u="none" strike="noStrike" kern="0" cap="none" spc="0" normalizeH="0" baseline="0" noProof="0" dirty="0">
+              <a:ln>
+                <a:noFill/>
+              </a:ln>
+              <a:solidFill>
+                <a:sysClr val="windowText" lastClr="000000"/>
+              </a:solidFill>
+              <a:effectLst/>
+              <a:uLnTx/>
+              <a:uFillTx/>
+              <a:cs typeface="+mn-ea"/>
+              <a:sym typeface="+mn-lt"/>
+            </a:endParaRPr>
+          </a:p>
+        </p:txBody>
+      </p:sp>
+      <p:sp>
+        <p:nvSpPr>
+          <p:cNvPr id="24" name="文本框 23"/>
+          <p:cNvSpPr txBox="1"/>
+          <p:nvPr/>
+        </p:nvSpPr>
+        <p:spPr>
+          <a:xfrm>
+            <a:off x="5723890" y="3291840"/>
+            <a:ext cx="767080" cy="398780"/>
+          </a:xfrm>
+          <a:prstGeom prst="rect">
+            <a:avLst/>
+          </a:prstGeom>
+          <a:noFill/>
+        </p:spPr>
+        <p:txBody>
+          <a:bodyPr wrap="square" rtlCol="0">
+            <a:spAutoFit/>
+          </a:bodyPr>
+          <a:p>
+            <a:r>
+              <a:rPr lang="zh-CN" altLang="en-US" sz="1000">
+                <a:latin typeface="仿宋" panose="02010609060101010101" charset="-122"/>
+                <a:ea typeface="仿宋" panose="02010609060101010101" charset="-122"/>
+              </a:rPr>
+              <a:t>增加详情总数</a:t>
+            </a:r>
+            <a:endParaRPr lang="zh-CN" altLang="en-US" sz="1000">
+              <a:latin typeface="仿宋" panose="02010609060101010101" charset="-122"/>
+              <a:ea typeface="仿宋" panose="02010609060101010101" charset="-122"/>
+            </a:endParaRPr>
+          </a:p>
+        </p:txBody>
+      </p:sp>
+      <p:sp>
+        <p:nvSpPr>
+          <p:cNvPr id="25" name="文本框 24"/>
+          <p:cNvSpPr txBox="1"/>
+          <p:nvPr/>
+        </p:nvSpPr>
+        <p:spPr>
+          <a:xfrm>
+            <a:off x="6960870" y="2954020"/>
+            <a:ext cx="1427480" cy="245110"/>
+          </a:xfrm>
+          <a:prstGeom prst="rect">
+            <a:avLst/>
+          </a:prstGeom>
+          <a:noFill/>
+        </p:spPr>
+        <p:txBody>
+          <a:bodyPr wrap="square" rtlCol="0">
+            <a:spAutoFit/>
+          </a:bodyPr>
+          <a:p>
+            <a:r>
+              <a:rPr lang="zh-CN" altLang="en-US" sz="1000">
+                <a:latin typeface="仿宋" panose="02010609060101010101" charset="-122"/>
+                <a:ea typeface="仿宋" panose="02010609060101010101" charset="-122"/>
+              </a:rPr>
+              <a:t>循环查询详情总数</a:t>
+            </a:r>
+            <a:endParaRPr lang="zh-CN" altLang="en-US" sz="1000">
+              <a:latin typeface="仿宋" panose="02010609060101010101" charset="-122"/>
+              <a:ea typeface="仿宋" panose="02010609060101010101" charset="-122"/>
+            </a:endParaRPr>
+          </a:p>
+        </p:txBody>
+      </p:sp>
+      <p:sp>
+        <p:nvSpPr>
+          <p:cNvPr id="27" name="左右箭头 26"/>
+          <p:cNvSpPr/>
+          <p:nvPr/>
+        </p:nvSpPr>
+        <p:spPr>
+          <a:xfrm>
+            <a:off x="7501890" y="2499360"/>
+            <a:ext cx="735965" cy="76200"/>
+          </a:xfrm>
+          <a:prstGeom prst="leftRightArrow">
+            <a:avLst/>
+          </a:prstGeom>
+          <a:solidFill>
+            <a:schemeClr val="accent5"/>
+          </a:solidFill>
+          <a:ln>
+            <a:noFill/>
+          </a:ln>
+        </p:spPr>
+        <p:style>
+          <a:lnRef idx="2">
+            <a:schemeClr val="accent1">
+              <a:shade val="50000"/>
+            </a:schemeClr>
+          </a:lnRef>
+          <a:fillRef idx="1">
+            <a:schemeClr val="accent1"/>
+          </a:fillRef>
+          <a:effectRef idx="0">
+            <a:schemeClr val="accent1"/>
+          </a:effectRef>
+          <a:fontRef idx="minor">
+            <a:schemeClr val="lt1"/>
+          </a:fontRef>
+        </p:style>
+        <p:txBody>
+          <a:bodyPr rtlCol="0" anchor="ctr"/>
+          <a:p>
+            <a:pPr algn="ctr" defTabSz="914400"/>
+            <a:endParaRPr kumimoji="0" lang="zh-CN" altLang="en-US" sz="1800" b="0" i="0" u="none" strike="noStrike" kern="0" cap="none" spc="0" normalizeH="0" baseline="0" noProof="0" dirty="0">
+              <a:ln>
+                <a:noFill/>
+              </a:ln>
+              <a:solidFill>
+                <a:sysClr val="windowText" lastClr="000000"/>
+              </a:solidFill>
+              <a:effectLst/>
+              <a:uLnTx/>
+              <a:uFillTx/>
+              <a:cs typeface="+mn-ea"/>
+              <a:sym typeface="+mn-lt"/>
+            </a:endParaRPr>
+          </a:p>
+        </p:txBody>
+      </p:sp>
+      <p:sp>
+        <p:nvSpPr>
+          <p:cNvPr id="28" name="圆柱形 27"/>
+          <p:cNvSpPr/>
+          <p:nvPr/>
+        </p:nvSpPr>
+        <p:spPr>
+          <a:xfrm>
+            <a:off x="8237855" y="2152650"/>
+            <a:ext cx="575945" cy="648335"/>
+          </a:xfrm>
+          <a:prstGeom prst="can">
+            <a:avLst/>
+          </a:prstGeom>
+          <a:solidFill>
+            <a:schemeClr val="accent5"/>
+          </a:solidFill>
+          <a:ln>
+            <a:noFill/>
+          </a:ln>
+        </p:spPr>
+        <p:style>
+          <a:lnRef idx="2">
+            <a:schemeClr val="accent1">
+              <a:shade val="50000"/>
+            </a:schemeClr>
+          </a:lnRef>
+          <a:fillRef idx="1">
+            <a:schemeClr val="accent1"/>
+          </a:fillRef>
+          <a:effectRef idx="0">
+            <a:schemeClr val="accent1"/>
+          </a:effectRef>
+          <a:fontRef idx="minor">
+            <a:schemeClr val="lt1"/>
+          </a:fontRef>
+        </p:style>
+        <p:txBody>
+          <a:bodyPr rtlCol="0" anchor="ctr"/>
+          <a:p>
+            <a:pPr algn="ctr" defTabSz="914400"/>
+            <a:r>
+              <a:rPr kumimoji="0" lang="en-US" altLang="zh-CN" sz="1200" b="0" i="0" u="none" strike="noStrike" kern="0" cap="none" spc="0" normalizeH="0" baseline="0" noProof="0" dirty="0">
+                <a:ln>
+                  <a:noFill/>
+                </a:ln>
+                <a:solidFill>
+                  <a:sysClr val="windowText" lastClr="000000"/>
+                </a:solidFill>
+                <a:effectLst/>
+                <a:uLnTx/>
+                <a:uFillTx/>
+                <a:latin typeface="仿宋" panose="02010609060101010101" charset="-122"/>
+                <a:ea typeface="仿宋" panose="02010609060101010101" charset="-122"/>
+                <a:cs typeface="+mn-ea"/>
+                <a:sym typeface="+mn-lt"/>
+              </a:rPr>
+              <a:t>mysql</a:t>
+            </a:r>
+            <a:endParaRPr kumimoji="0" lang="en-US" altLang="zh-CN" sz="1200" b="0" i="0" u="none" strike="noStrike" kern="0" cap="none" spc="0" normalizeH="0" baseline="0" noProof="0" dirty="0">
+              <a:ln>
+                <a:noFill/>
+              </a:ln>
+              <a:solidFill>
+                <a:sysClr val="windowText" lastClr="000000"/>
+              </a:solidFill>
+              <a:effectLst/>
+              <a:uLnTx/>
+              <a:uFillTx/>
+              <a:latin typeface="仿宋" panose="02010609060101010101" charset="-122"/>
+              <a:ea typeface="仿宋" panose="02010609060101010101" charset="-122"/>
+              <a:cs typeface="+mn-ea"/>
+              <a:sym typeface="+mn-lt"/>
+            </a:endParaRPr>
+          </a:p>
+        </p:txBody>
+      </p:sp>
+      <p:sp>
+        <p:nvSpPr>
+          <p:cNvPr id="29" name="文本框 28"/>
+          <p:cNvSpPr txBox="1"/>
+          <p:nvPr/>
+        </p:nvSpPr>
+        <p:spPr>
+          <a:xfrm>
+            <a:off x="7589520" y="2256790"/>
+            <a:ext cx="582930" cy="398780"/>
+          </a:xfrm>
+          <a:prstGeom prst="rect">
+            <a:avLst/>
+          </a:prstGeom>
+          <a:noFill/>
+        </p:spPr>
+        <p:txBody>
+          <a:bodyPr wrap="square" rtlCol="0">
+            <a:spAutoFit/>
+          </a:bodyPr>
+          <a:p>
+            <a:r>
+              <a:rPr lang="zh-CN" altLang="en-US" sz="1000">
+                <a:latin typeface="仿宋" panose="02010609060101010101" charset="-122"/>
+                <a:ea typeface="仿宋" panose="02010609060101010101" charset="-122"/>
+              </a:rPr>
+              <a:t>查询数据总量</a:t>
+            </a:r>
+            <a:endParaRPr lang="zh-CN" altLang="en-US" sz="1000">
+              <a:latin typeface="仿宋" panose="02010609060101010101" charset="-122"/>
+              <a:ea typeface="仿宋" panose="02010609060101010101" charset="-122"/>
+            </a:endParaRPr>
+          </a:p>
+        </p:txBody>
+      </p:sp>
+    </p:spTree>
+  </p:cSld>
+  <p:clrMapOvr>
+    <a:masterClrMapping/>
+  </p:clrMapOvr>
+</p:sld>
+</file>
+
+<file path=ppt/slides/slide9.xml><?xml version="1.0" encoding="utf-8"?>
+<p:sld xmlns:a="http://schemas.openxmlformats.org/drawingml/2006/main" xmlns:r="http://schemas.openxmlformats.org/officeDocument/2006/relationships" xmlns:p="http://schemas.openxmlformats.org/presentationml/2006/main">
+  <p:cSld>
+    <p:spTree>
+      <p:nvGrpSpPr>
+        <p:cNvPr id="1" name=""/>
+        <p:cNvGrpSpPr/>
+        <p:nvPr/>
+      </p:nvGrpSpPr>
+      <p:grpSpPr/>
       <p:sp>
         <p:nvSpPr>
           <p:cNvPr id="21" name="圆角矩形 20"/>
@@ -17582,7 +18816,7 @@
         </p:nvSpPr>
         <p:spPr>
           <a:xfrm>
-            <a:off x="57150" y="1259205"/>
+            <a:off x="57150" y="1347470"/>
             <a:ext cx="1661795" cy="923290"/>
           </a:xfrm>
           <a:prstGeom prst="roundRect">
@@ -18044,530 +19278,6 @@
       </p:sp>
       <p:sp>
         <p:nvSpPr>
-          <p:cNvPr id="8" name="矩形 7"/>
-          <p:cNvSpPr/>
-          <p:nvPr/>
-        </p:nvSpPr>
-        <p:spPr>
-          <a:xfrm>
-            <a:off x="330835" y="2642870"/>
-            <a:ext cx="918210" cy="575310"/>
-          </a:xfrm>
-          <a:prstGeom prst="rect">
-            <a:avLst/>
-          </a:prstGeom>
-          <a:solidFill>
-            <a:schemeClr val="accent5"/>
-          </a:solidFill>
-          <a:ln>
-            <a:noFill/>
-          </a:ln>
-        </p:spPr>
-        <p:style>
-          <a:lnRef idx="2">
-            <a:schemeClr val="accent1">
-              <a:shade val="50000"/>
-            </a:schemeClr>
-          </a:lnRef>
-          <a:fillRef idx="1">
-            <a:schemeClr val="accent1"/>
-          </a:fillRef>
-          <a:effectRef idx="0">
-            <a:schemeClr val="accent1"/>
-          </a:effectRef>
-          <a:fontRef idx="minor">
-            <a:schemeClr val="lt1"/>
-          </a:fontRef>
-        </p:style>
-        <p:txBody>
-          <a:bodyPr rtlCol="0" anchor="ctr"/>
-          <a:p>
-            <a:pPr algn="ctr" defTabSz="914400"/>
-            <a:r>
-              <a:rPr kumimoji="0" lang="zh-CN" altLang="en-US" sz="1200" b="0" i="0" u="none" strike="noStrike" kern="0" cap="none" spc="0" normalizeH="0" baseline="0" noProof="0" dirty="0">
-                <a:ln>
-                  <a:noFill/>
-                </a:ln>
-                <a:solidFill>
-                  <a:sysClr val="windowText" lastClr="000000"/>
-                </a:solidFill>
-                <a:effectLst/>
-                <a:uLnTx/>
-                <a:uFillTx/>
-                <a:latin typeface="仿宋" panose="02010609060101010101" charset="-122"/>
-                <a:ea typeface="仿宋" panose="02010609060101010101" charset="-122"/>
-                <a:cs typeface="+mn-ea"/>
-                <a:sym typeface="+mn-lt"/>
-              </a:rPr>
-              <a:t>分表中间件</a:t>
-            </a:r>
-            <a:endParaRPr kumimoji="0" lang="zh-CN" altLang="en-US" sz="1200" b="0" i="0" u="none" strike="noStrike" kern="0" cap="none" spc="0" normalizeH="0" baseline="0" noProof="0" dirty="0">
-              <a:ln>
-                <a:noFill/>
-              </a:ln>
-              <a:solidFill>
-                <a:sysClr val="windowText" lastClr="000000"/>
-              </a:solidFill>
-              <a:effectLst/>
-              <a:uLnTx/>
-              <a:uFillTx/>
-              <a:latin typeface="仿宋" panose="02010609060101010101" charset="-122"/>
-              <a:ea typeface="仿宋" panose="02010609060101010101" charset="-122"/>
-              <a:cs typeface="+mn-ea"/>
-              <a:sym typeface="+mn-lt"/>
-            </a:endParaRPr>
-          </a:p>
-        </p:txBody>
-      </p:sp>
-      <p:sp>
-        <p:nvSpPr>
-          <p:cNvPr id="10" name="矩形 9"/>
-          <p:cNvSpPr/>
-          <p:nvPr/>
-        </p:nvSpPr>
-        <p:spPr>
-          <a:xfrm>
-            <a:off x="200660" y="3695065"/>
-            <a:ext cx="1518285" cy="815340"/>
-          </a:xfrm>
-          <a:prstGeom prst="rect">
-            <a:avLst/>
-          </a:prstGeom>
-          <a:solidFill>
-            <a:schemeClr val="accent5"/>
-          </a:solidFill>
-          <a:ln>
-            <a:noFill/>
-          </a:ln>
-        </p:spPr>
-        <p:style>
-          <a:lnRef idx="2">
-            <a:schemeClr val="accent1">
-              <a:shade val="50000"/>
-            </a:schemeClr>
-          </a:lnRef>
-          <a:fillRef idx="1">
-            <a:schemeClr val="accent1"/>
-          </a:fillRef>
-          <a:effectRef idx="0">
-            <a:schemeClr val="accent1"/>
-          </a:effectRef>
-          <a:fontRef idx="minor">
-            <a:schemeClr val="lt1"/>
-          </a:fontRef>
-        </p:style>
-        <p:txBody>
-          <a:bodyPr rtlCol="0" anchor="ctr"/>
-          <a:p>
-            <a:pPr algn="ctr" defTabSz="914400"/>
-            <a:endParaRPr kumimoji="0" lang="zh-CN" altLang="en-US" sz="1200" b="0" i="0" u="none" strike="noStrike" kern="0" cap="none" spc="0" normalizeH="0" baseline="0" noProof="0" dirty="0">
-              <a:ln>
-                <a:noFill/>
-              </a:ln>
-              <a:solidFill>
-                <a:sysClr val="windowText" lastClr="000000"/>
-              </a:solidFill>
-              <a:effectLst/>
-              <a:uLnTx/>
-              <a:uFillTx/>
-              <a:latin typeface="仿宋" panose="02010609060101010101" charset="-122"/>
-              <a:ea typeface="仿宋" panose="02010609060101010101" charset="-122"/>
-              <a:cs typeface="+mn-ea"/>
-              <a:sym typeface="+mn-lt"/>
-            </a:endParaRPr>
-          </a:p>
-        </p:txBody>
-      </p:sp>
-      <p:cxnSp>
-        <p:nvCxnSpPr>
-          <p:cNvPr id="12" name="直接箭头连接符 11"/>
-          <p:cNvCxnSpPr/>
-          <p:nvPr/>
-        </p:nvCxnSpPr>
-        <p:spPr>
-          <a:xfrm flipH="1">
-            <a:off x="3262630" y="1993265"/>
-            <a:ext cx="18415" cy="575945"/>
-          </a:xfrm>
-          <a:prstGeom prst="straightConnector1">
-            <a:avLst/>
-          </a:prstGeom>
-          <a:ln>
-            <a:tailEnd type="arrow"/>
-          </a:ln>
-        </p:spPr>
-        <p:style>
-          <a:lnRef idx="1">
-            <a:schemeClr val="accent1"/>
-          </a:lnRef>
-          <a:fillRef idx="0">
-            <a:schemeClr val="accent1"/>
-          </a:fillRef>
-          <a:effectRef idx="0">
-            <a:schemeClr val="accent1"/>
-          </a:effectRef>
-          <a:fontRef idx="minor">
-            <a:schemeClr val="tx1"/>
-          </a:fontRef>
-        </p:style>
-      </p:cxnSp>
-      <p:sp>
-        <p:nvSpPr>
-          <p:cNvPr id="18" name="流程图: 磁盘 17"/>
-          <p:cNvSpPr/>
-          <p:nvPr/>
-        </p:nvSpPr>
-        <p:spPr>
-          <a:xfrm>
-            <a:off x="417830" y="3867785"/>
-            <a:ext cx="447040" cy="470535"/>
-          </a:xfrm>
-          <a:prstGeom prst="flowChartMagneticDisk">
-            <a:avLst/>
-          </a:prstGeom>
-          <a:solidFill>
-            <a:schemeClr val="accent2">
-              <a:lumMod val="40000"/>
-              <a:lumOff val="60000"/>
-            </a:schemeClr>
-          </a:solidFill>
-          <a:ln>
-            <a:noFill/>
-          </a:ln>
-        </p:spPr>
-        <p:style>
-          <a:lnRef idx="2">
-            <a:schemeClr val="accent1">
-              <a:shade val="50000"/>
-            </a:schemeClr>
-          </a:lnRef>
-          <a:fillRef idx="1">
-            <a:schemeClr val="accent1"/>
-          </a:fillRef>
-          <a:effectRef idx="0">
-            <a:schemeClr val="accent1"/>
-          </a:effectRef>
-          <a:fontRef idx="minor">
-            <a:schemeClr val="lt1"/>
-          </a:fontRef>
-        </p:style>
-        <p:txBody>
-          <a:bodyPr rtlCol="0" anchor="ctr"/>
-          <a:p>
-            <a:pPr algn="ctr" defTabSz="914400"/>
-            <a:r>
-              <a:rPr kumimoji="0" lang="en-US" altLang="zh-CN" sz="1000" b="0" i="0" u="none" strike="noStrike" kern="0" cap="none" spc="0" normalizeH="0" baseline="0" noProof="0" dirty="0">
-                <a:ln>
-                  <a:noFill/>
-                </a:ln>
-                <a:solidFill>
-                  <a:sysClr val="windowText" lastClr="000000"/>
-                </a:solidFill>
-                <a:effectLst/>
-                <a:uLnTx/>
-                <a:uFillTx/>
-                <a:latin typeface="仿宋" panose="02010609060101010101" charset="-122"/>
-                <a:ea typeface="仿宋" panose="02010609060101010101" charset="-122"/>
-                <a:cs typeface="+mn-ea"/>
-                <a:sym typeface="+mn-lt"/>
-              </a:rPr>
-              <a:t>mysql</a:t>
-            </a:r>
-            <a:endParaRPr kumimoji="0" lang="en-US" altLang="zh-CN" sz="1000" b="0" i="0" u="none" strike="noStrike" kern="0" cap="none" spc="0" normalizeH="0" baseline="0" noProof="0" dirty="0">
-              <a:ln>
-                <a:noFill/>
-              </a:ln>
-              <a:solidFill>
-                <a:sysClr val="windowText" lastClr="000000"/>
-              </a:solidFill>
-              <a:effectLst/>
-              <a:uLnTx/>
-              <a:uFillTx/>
-              <a:latin typeface="仿宋" panose="02010609060101010101" charset="-122"/>
-              <a:ea typeface="仿宋" panose="02010609060101010101" charset="-122"/>
-              <a:cs typeface="+mn-ea"/>
-              <a:sym typeface="+mn-lt"/>
-            </a:endParaRPr>
-          </a:p>
-        </p:txBody>
-      </p:sp>
-      <p:sp>
-        <p:nvSpPr>
-          <p:cNvPr id="20" name="流程图: 磁盘 19"/>
-          <p:cNvSpPr/>
-          <p:nvPr/>
-        </p:nvSpPr>
-        <p:spPr>
-          <a:xfrm>
-            <a:off x="1184275" y="3867785"/>
-            <a:ext cx="447040" cy="470535"/>
-          </a:xfrm>
-          <a:prstGeom prst="flowChartMagneticDisk">
-            <a:avLst/>
-          </a:prstGeom>
-          <a:solidFill>
-            <a:schemeClr val="accent2">
-              <a:lumMod val="40000"/>
-              <a:lumOff val="60000"/>
-            </a:schemeClr>
-          </a:solidFill>
-          <a:ln>
-            <a:noFill/>
-          </a:ln>
-        </p:spPr>
-        <p:style>
-          <a:lnRef idx="2">
-            <a:schemeClr val="accent1">
-              <a:shade val="50000"/>
-            </a:schemeClr>
-          </a:lnRef>
-          <a:fillRef idx="1">
-            <a:schemeClr val="accent1"/>
-          </a:fillRef>
-          <a:effectRef idx="0">
-            <a:schemeClr val="accent1"/>
-          </a:effectRef>
-          <a:fontRef idx="minor">
-            <a:schemeClr val="lt1"/>
-          </a:fontRef>
-        </p:style>
-        <p:txBody>
-          <a:bodyPr rtlCol="0" anchor="ctr"/>
-          <a:p>
-            <a:pPr algn="ctr" defTabSz="914400"/>
-            <a:r>
-              <a:rPr kumimoji="0" lang="en-US" altLang="zh-CN" sz="1000" b="0" i="0" u="none" strike="noStrike" kern="0" cap="none" spc="0" normalizeH="0" baseline="0" noProof="0" dirty="0">
-                <a:ln>
-                  <a:noFill/>
-                </a:ln>
-                <a:solidFill>
-                  <a:sysClr val="windowText" lastClr="000000"/>
-                </a:solidFill>
-                <a:effectLst/>
-                <a:uLnTx/>
-                <a:uFillTx/>
-                <a:latin typeface="仿宋" panose="02010609060101010101" charset="-122"/>
-                <a:ea typeface="仿宋" panose="02010609060101010101" charset="-122"/>
-                <a:cs typeface="+mn-ea"/>
-                <a:sym typeface="+mn-lt"/>
-              </a:rPr>
-              <a:t>mysql</a:t>
-            </a:r>
-            <a:endParaRPr kumimoji="0" lang="en-US" altLang="zh-CN" sz="1000" b="0" i="0" u="none" strike="noStrike" kern="0" cap="none" spc="0" normalizeH="0" baseline="0" noProof="0" dirty="0">
-              <a:ln>
-                <a:noFill/>
-              </a:ln>
-              <a:solidFill>
-                <a:sysClr val="windowText" lastClr="000000"/>
-              </a:solidFill>
-              <a:effectLst/>
-              <a:uLnTx/>
-              <a:uFillTx/>
-              <a:latin typeface="仿宋" panose="02010609060101010101" charset="-122"/>
-              <a:ea typeface="仿宋" panose="02010609060101010101" charset="-122"/>
-              <a:cs typeface="+mn-ea"/>
-              <a:sym typeface="+mn-lt"/>
-            </a:endParaRPr>
-          </a:p>
-        </p:txBody>
-      </p:sp>
-      <p:sp>
-        <p:nvSpPr>
-          <p:cNvPr id="25" name="流程图: 磁盘 24"/>
-          <p:cNvSpPr/>
-          <p:nvPr/>
-        </p:nvSpPr>
-        <p:spPr>
-          <a:xfrm>
-            <a:off x="3415030" y="2748280"/>
-            <a:ext cx="447040" cy="470535"/>
-          </a:xfrm>
-          <a:prstGeom prst="flowChartMagneticDisk">
-            <a:avLst/>
-          </a:prstGeom>
-          <a:solidFill>
-            <a:schemeClr val="accent2">
-              <a:lumMod val="40000"/>
-              <a:lumOff val="60000"/>
-            </a:schemeClr>
-          </a:solidFill>
-          <a:ln>
-            <a:noFill/>
-          </a:ln>
-        </p:spPr>
-        <p:style>
-          <a:lnRef idx="2">
-            <a:schemeClr val="accent1">
-              <a:shade val="50000"/>
-            </a:schemeClr>
-          </a:lnRef>
-          <a:fillRef idx="1">
-            <a:schemeClr val="accent1"/>
-          </a:fillRef>
-          <a:effectRef idx="0">
-            <a:schemeClr val="accent1"/>
-          </a:effectRef>
-          <a:fontRef idx="minor">
-            <a:schemeClr val="lt1"/>
-          </a:fontRef>
-        </p:style>
-        <p:txBody>
-          <a:bodyPr rtlCol="0" anchor="ctr"/>
-          <a:p>
-            <a:pPr algn="ctr" defTabSz="914400"/>
-            <a:r>
-              <a:rPr kumimoji="0" lang="en-US" altLang="zh-CN" sz="1000" b="0" i="0" u="none" strike="noStrike" kern="0" cap="none" spc="0" normalizeH="0" baseline="0" noProof="0" dirty="0">
-                <a:ln>
-                  <a:noFill/>
-                </a:ln>
-                <a:solidFill>
-                  <a:sysClr val="windowText" lastClr="000000"/>
-                </a:solidFill>
-                <a:effectLst/>
-                <a:uLnTx/>
-                <a:uFillTx/>
-                <a:latin typeface="仿宋" panose="02010609060101010101" charset="-122"/>
-                <a:ea typeface="仿宋" panose="02010609060101010101" charset="-122"/>
-                <a:cs typeface="+mn-ea"/>
-                <a:sym typeface="+mn-lt"/>
-              </a:rPr>
-              <a:t>node</a:t>
-            </a:r>
-            <a:endParaRPr kumimoji="0" lang="en-US" altLang="zh-CN" sz="1000" b="0" i="0" u="none" strike="noStrike" kern="0" cap="none" spc="0" normalizeH="0" baseline="0" noProof="0" dirty="0">
-              <a:ln>
-                <a:noFill/>
-              </a:ln>
-              <a:solidFill>
-                <a:sysClr val="windowText" lastClr="000000"/>
-              </a:solidFill>
-              <a:effectLst/>
-              <a:uLnTx/>
-              <a:uFillTx/>
-              <a:latin typeface="仿宋" panose="02010609060101010101" charset="-122"/>
-              <a:ea typeface="仿宋" panose="02010609060101010101" charset="-122"/>
-              <a:cs typeface="+mn-ea"/>
-              <a:sym typeface="+mn-lt"/>
-            </a:endParaRPr>
-          </a:p>
-        </p:txBody>
-      </p:sp>
-      <p:sp>
-        <p:nvSpPr>
-          <p:cNvPr id="26" name="流程图: 磁盘 25"/>
-          <p:cNvSpPr/>
-          <p:nvPr/>
-        </p:nvSpPr>
-        <p:spPr>
-          <a:xfrm>
-            <a:off x="2815590" y="2747645"/>
-            <a:ext cx="447040" cy="470535"/>
-          </a:xfrm>
-          <a:prstGeom prst="flowChartMagneticDisk">
-            <a:avLst/>
-          </a:prstGeom>
-          <a:solidFill>
-            <a:schemeClr val="accent2">
-              <a:lumMod val="40000"/>
-              <a:lumOff val="60000"/>
-            </a:schemeClr>
-          </a:solidFill>
-          <a:ln>
-            <a:noFill/>
-          </a:ln>
-        </p:spPr>
-        <p:style>
-          <a:lnRef idx="2">
-            <a:schemeClr val="accent1">
-              <a:shade val="50000"/>
-            </a:schemeClr>
-          </a:lnRef>
-          <a:fillRef idx="1">
-            <a:schemeClr val="accent1"/>
-          </a:fillRef>
-          <a:effectRef idx="0">
-            <a:schemeClr val="accent1"/>
-          </a:effectRef>
-          <a:fontRef idx="minor">
-            <a:schemeClr val="lt1"/>
-          </a:fontRef>
-        </p:style>
-        <p:txBody>
-          <a:bodyPr rtlCol="0" anchor="ctr"/>
-          <a:p>
-            <a:pPr algn="ctr" defTabSz="914400"/>
-            <a:r>
-              <a:rPr kumimoji="0" lang="en-US" altLang="zh-CN" sz="1000" b="0" i="0" u="none" strike="noStrike" kern="0" cap="none" spc="0" normalizeH="0" baseline="0" noProof="0" dirty="0">
-                <a:ln>
-                  <a:noFill/>
-                </a:ln>
-                <a:solidFill>
-                  <a:sysClr val="windowText" lastClr="000000"/>
-                </a:solidFill>
-                <a:effectLst/>
-                <a:uLnTx/>
-                <a:uFillTx/>
-                <a:latin typeface="仿宋" panose="02010609060101010101" charset="-122"/>
-                <a:ea typeface="仿宋" panose="02010609060101010101" charset="-122"/>
-                <a:cs typeface="+mn-ea"/>
-                <a:sym typeface="+mn-lt"/>
-              </a:rPr>
-              <a:t>node</a:t>
-            </a:r>
-            <a:endParaRPr kumimoji="0" lang="en-US" altLang="zh-CN" sz="1000" b="0" i="0" u="none" strike="noStrike" kern="0" cap="none" spc="0" normalizeH="0" baseline="0" noProof="0" dirty="0">
-              <a:ln>
-                <a:noFill/>
-              </a:ln>
-              <a:solidFill>
-                <a:sysClr val="windowText" lastClr="000000"/>
-              </a:solidFill>
-              <a:effectLst/>
-              <a:uLnTx/>
-              <a:uFillTx/>
-              <a:latin typeface="仿宋" panose="02010609060101010101" charset="-122"/>
-              <a:ea typeface="仿宋" panose="02010609060101010101" charset="-122"/>
-              <a:cs typeface="+mn-ea"/>
-              <a:sym typeface="+mn-lt"/>
-            </a:endParaRPr>
-          </a:p>
-        </p:txBody>
-      </p:sp>
-      <p:cxnSp>
-        <p:nvCxnSpPr>
-          <p:cNvPr id="29" name="直接箭头连接符 28"/>
-          <p:cNvCxnSpPr>
-            <a:endCxn id="8" idx="0"/>
-          </p:cNvCxnSpPr>
-          <p:nvPr/>
-        </p:nvCxnSpPr>
-        <p:spPr>
-          <a:xfrm>
-            <a:off x="788670" y="2182495"/>
-            <a:ext cx="1270" cy="460375"/>
-          </a:xfrm>
-          <a:prstGeom prst="straightConnector1">
-            <a:avLst/>
-          </a:prstGeom>
-          <a:ln>
-            <a:tailEnd type="arrow"/>
-          </a:ln>
-        </p:spPr>
-        <p:style>
-          <a:lnRef idx="1">
-            <a:schemeClr val="accent1"/>
-          </a:lnRef>
-          <a:fillRef idx="0">
-            <a:schemeClr val="accent1"/>
-          </a:fillRef>
-          <a:effectRef idx="0">
-            <a:schemeClr val="accent1"/>
-          </a:effectRef>
-          <a:fontRef idx="minor">
-            <a:schemeClr val="tx1"/>
-          </a:fontRef>
-        </p:style>
-      </p:cxnSp>
-      <p:sp>
-        <p:nvSpPr>
           <p:cNvPr id="31" name="矩形 30"/>
           <p:cNvSpPr/>
           <p:nvPr/>
@@ -18720,119 +19430,668 @@
           </a:p>
         </p:txBody>
       </p:sp>
-      <p:cxnSp>
-        <p:nvCxnSpPr>
-          <p:cNvPr id="34" name="直接箭头连接符 33"/>
-          <p:cNvCxnSpPr/>
+      <p:grpSp>
+        <p:nvGrpSpPr>
+          <p:cNvPr id="38" name="组合 37"/>
+          <p:cNvGrpSpPr/>
           <p:nvPr/>
-        </p:nvCxnSpPr>
+        </p:nvGrpSpPr>
+        <p:grpSpPr>
+          <a:xfrm>
+            <a:off x="2525395" y="2858770"/>
+            <a:ext cx="1609090" cy="974090"/>
+            <a:chOff x="3977" y="4056"/>
+            <a:chExt cx="2534" cy="1534"/>
+          </a:xfrm>
+        </p:grpSpPr>
+        <p:sp>
+          <p:nvSpPr>
+            <p:cNvPr id="27" name="矩形 26"/>
+            <p:cNvSpPr/>
+            <p:nvPr/>
+          </p:nvSpPr>
+          <p:spPr>
+            <a:xfrm>
+              <a:off x="3977" y="4056"/>
+              <a:ext cx="2535" cy="1374"/>
+            </a:xfrm>
+            <a:prstGeom prst="rect">
+              <a:avLst/>
+            </a:prstGeom>
+            <a:solidFill>
+              <a:schemeClr val="accent5"/>
+            </a:solidFill>
+            <a:ln>
+              <a:noFill/>
+            </a:ln>
+          </p:spPr>
+          <p:style>
+            <a:lnRef idx="2">
+              <a:schemeClr val="accent1">
+                <a:shade val="50000"/>
+              </a:schemeClr>
+            </a:lnRef>
+            <a:fillRef idx="1">
+              <a:schemeClr val="accent1"/>
+            </a:fillRef>
+            <a:effectRef idx="0">
+              <a:schemeClr val="accent1"/>
+            </a:effectRef>
+            <a:fontRef idx="minor">
+              <a:schemeClr val="lt1"/>
+            </a:fontRef>
+          </p:style>
+          <p:txBody>
+            <a:bodyPr rtlCol="0" anchor="ctr"/>
+            <a:p>
+              <a:pPr algn="ctr" defTabSz="914400"/>
+              <a:endParaRPr kumimoji="0" lang="zh-CN" altLang="en-US" sz="1200" b="0" i="0" u="none" strike="noStrike" kern="0" cap="none" spc="0" normalizeH="0" baseline="0" noProof="0" dirty="0">
+                <a:ln>
+                  <a:noFill/>
+                </a:ln>
+                <a:solidFill>
+                  <a:sysClr val="windowText" lastClr="000000"/>
+                </a:solidFill>
+                <a:effectLst/>
+                <a:uLnTx/>
+                <a:uFillTx/>
+                <a:latin typeface="仿宋" panose="02010609060101010101" charset="-122"/>
+                <a:ea typeface="仿宋" panose="02010609060101010101" charset="-122"/>
+                <a:cs typeface="+mn-ea"/>
+                <a:sym typeface="+mn-lt"/>
+              </a:endParaRPr>
+            </a:p>
+          </p:txBody>
+        </p:sp>
+        <p:sp>
+          <p:nvSpPr>
+            <p:cNvPr id="25" name="流程图: 磁盘 24"/>
+            <p:cNvSpPr/>
+            <p:nvPr/>
+          </p:nvSpPr>
+          <p:spPr>
+            <a:xfrm>
+              <a:off x="5378" y="4328"/>
+              <a:ext cx="704" cy="741"/>
+            </a:xfrm>
+            <a:prstGeom prst="flowChartMagneticDisk">
+              <a:avLst/>
+            </a:prstGeom>
+            <a:solidFill>
+              <a:schemeClr val="accent2">
+                <a:lumMod val="40000"/>
+                <a:lumOff val="60000"/>
+              </a:schemeClr>
+            </a:solidFill>
+            <a:ln>
+              <a:noFill/>
+            </a:ln>
+          </p:spPr>
+          <p:style>
+            <a:lnRef idx="2">
+              <a:schemeClr val="accent1">
+                <a:shade val="50000"/>
+              </a:schemeClr>
+            </a:lnRef>
+            <a:fillRef idx="1">
+              <a:schemeClr val="accent1"/>
+            </a:fillRef>
+            <a:effectRef idx="0">
+              <a:schemeClr val="accent1"/>
+            </a:effectRef>
+            <a:fontRef idx="minor">
+              <a:schemeClr val="lt1"/>
+            </a:fontRef>
+          </p:style>
+          <p:txBody>
+            <a:bodyPr rtlCol="0" anchor="ctr"/>
+            <a:p>
+              <a:pPr algn="ctr" defTabSz="914400"/>
+              <a:r>
+                <a:rPr kumimoji="0" lang="en-US" altLang="zh-CN" sz="1000" b="0" i="0" u="none" strike="noStrike" kern="0" cap="none" spc="0" normalizeH="0" baseline="0" noProof="0" dirty="0">
+                  <a:ln>
+                    <a:noFill/>
+                  </a:ln>
+                  <a:solidFill>
+                    <a:sysClr val="windowText" lastClr="000000"/>
+                  </a:solidFill>
+                  <a:effectLst/>
+                  <a:uLnTx/>
+                  <a:uFillTx/>
+                  <a:latin typeface="仿宋" panose="02010609060101010101" charset="-122"/>
+                  <a:ea typeface="仿宋" panose="02010609060101010101" charset="-122"/>
+                  <a:cs typeface="+mn-ea"/>
+                  <a:sym typeface="+mn-lt"/>
+                </a:rPr>
+                <a:t>node</a:t>
+              </a:r>
+              <a:endParaRPr kumimoji="0" lang="en-US" altLang="zh-CN" sz="1000" b="0" i="0" u="none" strike="noStrike" kern="0" cap="none" spc="0" normalizeH="0" baseline="0" noProof="0" dirty="0">
+                <a:ln>
+                  <a:noFill/>
+                </a:ln>
+                <a:solidFill>
+                  <a:sysClr val="windowText" lastClr="000000"/>
+                </a:solidFill>
+                <a:effectLst/>
+                <a:uLnTx/>
+                <a:uFillTx/>
+                <a:latin typeface="仿宋" panose="02010609060101010101" charset="-122"/>
+                <a:ea typeface="仿宋" panose="02010609060101010101" charset="-122"/>
+                <a:cs typeface="+mn-ea"/>
+                <a:sym typeface="+mn-lt"/>
+              </a:endParaRPr>
+            </a:p>
+          </p:txBody>
+        </p:sp>
+        <p:sp>
+          <p:nvSpPr>
+            <p:cNvPr id="26" name="流程图: 磁盘 25"/>
+            <p:cNvSpPr/>
+            <p:nvPr/>
+          </p:nvSpPr>
+          <p:spPr>
+            <a:xfrm>
+              <a:off x="4434" y="4327"/>
+              <a:ext cx="704" cy="741"/>
+            </a:xfrm>
+            <a:prstGeom prst="flowChartMagneticDisk">
+              <a:avLst/>
+            </a:prstGeom>
+            <a:solidFill>
+              <a:schemeClr val="accent2">
+                <a:lumMod val="40000"/>
+                <a:lumOff val="60000"/>
+              </a:schemeClr>
+            </a:solidFill>
+            <a:ln>
+              <a:noFill/>
+            </a:ln>
+          </p:spPr>
+          <p:style>
+            <a:lnRef idx="2">
+              <a:schemeClr val="accent1">
+                <a:shade val="50000"/>
+              </a:schemeClr>
+            </a:lnRef>
+            <a:fillRef idx="1">
+              <a:schemeClr val="accent1"/>
+            </a:fillRef>
+            <a:effectRef idx="0">
+              <a:schemeClr val="accent1"/>
+            </a:effectRef>
+            <a:fontRef idx="minor">
+              <a:schemeClr val="lt1"/>
+            </a:fontRef>
+          </p:style>
+          <p:txBody>
+            <a:bodyPr rtlCol="0" anchor="ctr"/>
+            <a:p>
+              <a:pPr algn="ctr" defTabSz="914400"/>
+              <a:r>
+                <a:rPr kumimoji="0" lang="en-US" altLang="zh-CN" sz="1000" b="0" i="0" u="none" strike="noStrike" kern="0" cap="none" spc="0" normalizeH="0" baseline="0" noProof="0" dirty="0">
+                  <a:ln>
+                    <a:noFill/>
+                  </a:ln>
+                  <a:solidFill>
+                    <a:sysClr val="windowText" lastClr="000000"/>
+                  </a:solidFill>
+                  <a:effectLst/>
+                  <a:uLnTx/>
+                  <a:uFillTx/>
+                  <a:latin typeface="仿宋" panose="02010609060101010101" charset="-122"/>
+                  <a:ea typeface="仿宋" panose="02010609060101010101" charset="-122"/>
+                  <a:cs typeface="+mn-ea"/>
+                  <a:sym typeface="+mn-lt"/>
+                </a:rPr>
+                <a:t>node</a:t>
+              </a:r>
+              <a:endParaRPr kumimoji="0" lang="en-US" altLang="zh-CN" sz="1000" b="0" i="0" u="none" strike="noStrike" kern="0" cap="none" spc="0" normalizeH="0" baseline="0" noProof="0" dirty="0">
+                <a:ln>
+                  <a:noFill/>
+                </a:ln>
+                <a:solidFill>
+                  <a:sysClr val="windowText" lastClr="000000"/>
+                </a:solidFill>
+                <a:effectLst/>
+                <a:uLnTx/>
+                <a:uFillTx/>
+                <a:latin typeface="仿宋" panose="02010609060101010101" charset="-122"/>
+                <a:ea typeface="仿宋" panose="02010609060101010101" charset="-122"/>
+                <a:cs typeface="+mn-ea"/>
+                <a:sym typeface="+mn-lt"/>
+              </a:endParaRPr>
+            </a:p>
+          </p:txBody>
+        </p:sp>
+        <p:sp>
+          <p:nvSpPr>
+            <p:cNvPr id="35" name="文本框 34"/>
+            <p:cNvSpPr txBox="1"/>
+            <p:nvPr/>
+          </p:nvSpPr>
+          <p:spPr>
+            <a:xfrm>
+              <a:off x="5189" y="5156"/>
+              <a:ext cx="1102" cy="434"/>
+            </a:xfrm>
+            <a:prstGeom prst="rect">
+              <a:avLst/>
+            </a:prstGeom>
+            <a:noFill/>
+          </p:spPr>
+          <p:txBody>
+            <a:bodyPr wrap="square" rtlCol="0">
+              <a:spAutoFit/>
+            </a:bodyPr>
+            <a:p>
+              <a:r>
+                <a:rPr lang="en-US" altLang="zh-CN" sz="1200">
+                  <a:latin typeface="仿宋" panose="02010609060101010101" charset="-122"/>
+                  <a:ea typeface="仿宋" panose="02010609060101010101" charset="-122"/>
+                </a:rPr>
+                <a:t>ES</a:t>
+              </a:r>
+              <a:r>
+                <a:rPr lang="zh-CN" altLang="en-US" sz="1200">
+                  <a:latin typeface="仿宋" panose="02010609060101010101" charset="-122"/>
+                  <a:ea typeface="仿宋" panose="02010609060101010101" charset="-122"/>
+                </a:rPr>
+                <a:t>集群</a:t>
+              </a:r>
+              <a:endParaRPr lang="zh-CN" altLang="en-US" sz="1200">
+                <a:latin typeface="仿宋" panose="02010609060101010101" charset="-122"/>
+                <a:ea typeface="仿宋" panose="02010609060101010101" charset="-122"/>
+              </a:endParaRPr>
+            </a:p>
+          </p:txBody>
+        </p:sp>
+      </p:grpSp>
+      <p:grpSp>
+        <p:nvGrpSpPr>
+          <p:cNvPr id="37" name="组合 36"/>
+          <p:cNvGrpSpPr/>
+          <p:nvPr/>
+        </p:nvGrpSpPr>
+        <p:grpSpPr>
+          <a:xfrm>
+            <a:off x="200660" y="2858135"/>
+            <a:ext cx="1518285" cy="815340"/>
+            <a:chOff x="389" y="6052"/>
+            <a:chExt cx="2391" cy="1284"/>
+          </a:xfrm>
+        </p:grpSpPr>
+        <p:sp>
+          <p:nvSpPr>
+            <p:cNvPr id="10" name="矩形 9"/>
+            <p:cNvSpPr/>
+            <p:nvPr/>
+          </p:nvSpPr>
+          <p:spPr>
+            <a:xfrm>
+              <a:off x="389" y="6052"/>
+              <a:ext cx="2391" cy="1284"/>
+            </a:xfrm>
+            <a:prstGeom prst="rect">
+              <a:avLst/>
+            </a:prstGeom>
+            <a:solidFill>
+              <a:schemeClr val="accent5"/>
+            </a:solidFill>
+            <a:ln>
+              <a:noFill/>
+            </a:ln>
+          </p:spPr>
+          <p:style>
+            <a:lnRef idx="2">
+              <a:schemeClr val="accent1">
+                <a:shade val="50000"/>
+              </a:schemeClr>
+            </a:lnRef>
+            <a:fillRef idx="1">
+              <a:schemeClr val="accent1"/>
+            </a:fillRef>
+            <a:effectRef idx="0">
+              <a:schemeClr val="accent1"/>
+            </a:effectRef>
+            <a:fontRef idx="minor">
+              <a:schemeClr val="lt1"/>
+            </a:fontRef>
+          </p:style>
+          <p:txBody>
+            <a:bodyPr rtlCol="0" anchor="ctr"/>
+            <a:p>
+              <a:pPr algn="ctr" defTabSz="914400"/>
+              <a:endParaRPr kumimoji="0" lang="zh-CN" altLang="en-US" sz="1200" b="0" i="0" u="none" strike="noStrike" kern="0" cap="none" spc="0" normalizeH="0" baseline="0" noProof="0" dirty="0">
+                <a:ln>
+                  <a:noFill/>
+                </a:ln>
+                <a:solidFill>
+                  <a:sysClr val="windowText" lastClr="000000"/>
+                </a:solidFill>
+                <a:effectLst/>
+                <a:uLnTx/>
+                <a:uFillTx/>
+                <a:latin typeface="仿宋" panose="02010609060101010101" charset="-122"/>
+                <a:ea typeface="仿宋" panose="02010609060101010101" charset="-122"/>
+                <a:cs typeface="+mn-ea"/>
+                <a:sym typeface="+mn-lt"/>
+              </a:endParaRPr>
+            </a:p>
+          </p:txBody>
+        </p:sp>
+        <p:sp>
+          <p:nvSpPr>
+            <p:cNvPr id="18" name="流程图: 磁盘 17"/>
+            <p:cNvSpPr/>
+            <p:nvPr/>
+          </p:nvSpPr>
+          <p:spPr>
+            <a:xfrm>
+              <a:off x="597" y="6161"/>
+              <a:ext cx="704" cy="741"/>
+            </a:xfrm>
+            <a:prstGeom prst="flowChartMagneticDisk">
+              <a:avLst/>
+            </a:prstGeom>
+            <a:solidFill>
+              <a:schemeClr val="accent2">
+                <a:lumMod val="40000"/>
+                <a:lumOff val="60000"/>
+              </a:schemeClr>
+            </a:solidFill>
+            <a:ln>
+              <a:noFill/>
+            </a:ln>
+          </p:spPr>
+          <p:style>
+            <a:lnRef idx="2">
+              <a:schemeClr val="accent1">
+                <a:shade val="50000"/>
+              </a:schemeClr>
+            </a:lnRef>
+            <a:fillRef idx="1">
+              <a:schemeClr val="accent1"/>
+            </a:fillRef>
+            <a:effectRef idx="0">
+              <a:schemeClr val="accent1"/>
+            </a:effectRef>
+            <a:fontRef idx="minor">
+              <a:schemeClr val="lt1"/>
+            </a:fontRef>
+          </p:style>
+          <p:txBody>
+            <a:bodyPr rtlCol="0" anchor="ctr"/>
+            <a:p>
+              <a:pPr algn="ctr" defTabSz="914400"/>
+              <a:r>
+                <a:rPr kumimoji="0" lang="en-US" altLang="zh-CN" sz="1000" b="0" i="0" u="none" strike="noStrike" kern="0" cap="none" spc="0" normalizeH="0" baseline="0" noProof="0" dirty="0">
+                  <a:ln>
+                    <a:noFill/>
+                  </a:ln>
+                  <a:solidFill>
+                    <a:sysClr val="windowText" lastClr="000000"/>
+                  </a:solidFill>
+                  <a:effectLst/>
+                  <a:uLnTx/>
+                  <a:uFillTx/>
+                  <a:latin typeface="仿宋" panose="02010609060101010101" charset="-122"/>
+                  <a:ea typeface="仿宋" panose="02010609060101010101" charset="-122"/>
+                  <a:cs typeface="+mn-ea"/>
+                  <a:sym typeface="+mn-lt"/>
+                </a:rPr>
+                <a:t>mysql</a:t>
+              </a:r>
+              <a:endParaRPr kumimoji="0" lang="en-US" altLang="zh-CN" sz="1000" b="0" i="0" u="none" strike="noStrike" kern="0" cap="none" spc="0" normalizeH="0" baseline="0" noProof="0" dirty="0">
+                <a:ln>
+                  <a:noFill/>
+                </a:ln>
+                <a:solidFill>
+                  <a:sysClr val="windowText" lastClr="000000"/>
+                </a:solidFill>
+                <a:effectLst/>
+                <a:uLnTx/>
+                <a:uFillTx/>
+                <a:latin typeface="仿宋" panose="02010609060101010101" charset="-122"/>
+                <a:ea typeface="仿宋" panose="02010609060101010101" charset="-122"/>
+                <a:cs typeface="+mn-ea"/>
+                <a:sym typeface="+mn-lt"/>
+              </a:endParaRPr>
+            </a:p>
+          </p:txBody>
+        </p:sp>
+        <p:sp>
+          <p:nvSpPr>
+            <p:cNvPr id="20" name="流程图: 磁盘 19"/>
+            <p:cNvSpPr/>
+            <p:nvPr/>
+          </p:nvSpPr>
+          <p:spPr>
+            <a:xfrm>
+              <a:off x="1830" y="6161"/>
+              <a:ext cx="704" cy="741"/>
+            </a:xfrm>
+            <a:prstGeom prst="flowChartMagneticDisk">
+              <a:avLst/>
+            </a:prstGeom>
+            <a:solidFill>
+              <a:schemeClr val="accent2">
+                <a:lumMod val="40000"/>
+                <a:lumOff val="60000"/>
+              </a:schemeClr>
+            </a:solidFill>
+            <a:ln>
+              <a:noFill/>
+            </a:ln>
+          </p:spPr>
+          <p:style>
+            <a:lnRef idx="2">
+              <a:schemeClr val="accent1">
+                <a:shade val="50000"/>
+              </a:schemeClr>
+            </a:lnRef>
+            <a:fillRef idx="1">
+              <a:schemeClr val="accent1"/>
+            </a:fillRef>
+            <a:effectRef idx="0">
+              <a:schemeClr val="accent1"/>
+            </a:effectRef>
+            <a:fontRef idx="minor">
+              <a:schemeClr val="lt1"/>
+            </a:fontRef>
+          </p:style>
+          <p:txBody>
+            <a:bodyPr rtlCol="0" anchor="ctr"/>
+            <a:p>
+              <a:pPr algn="ctr" defTabSz="914400"/>
+              <a:r>
+                <a:rPr kumimoji="0" lang="en-US" altLang="zh-CN" sz="1000" b="0" i="0" u="none" strike="noStrike" kern="0" cap="none" spc="0" normalizeH="0" baseline="0" noProof="0" dirty="0">
+                  <a:ln>
+                    <a:noFill/>
+                  </a:ln>
+                  <a:solidFill>
+                    <a:sysClr val="windowText" lastClr="000000"/>
+                  </a:solidFill>
+                  <a:effectLst/>
+                  <a:uLnTx/>
+                  <a:uFillTx/>
+                  <a:latin typeface="仿宋" panose="02010609060101010101" charset="-122"/>
+                  <a:ea typeface="仿宋" panose="02010609060101010101" charset="-122"/>
+                  <a:cs typeface="+mn-ea"/>
+                  <a:sym typeface="+mn-lt"/>
+                </a:rPr>
+                <a:t>mysql</a:t>
+              </a:r>
+              <a:endParaRPr kumimoji="0" lang="en-US" altLang="zh-CN" sz="1000" b="0" i="0" u="none" strike="noStrike" kern="0" cap="none" spc="0" normalizeH="0" baseline="0" noProof="0" dirty="0">
+                <a:ln>
+                  <a:noFill/>
+                </a:ln>
+                <a:solidFill>
+                  <a:sysClr val="windowText" lastClr="000000"/>
+                </a:solidFill>
+                <a:effectLst/>
+                <a:uLnTx/>
+                <a:uFillTx/>
+                <a:latin typeface="仿宋" panose="02010609060101010101" charset="-122"/>
+                <a:ea typeface="仿宋" panose="02010609060101010101" charset="-122"/>
+                <a:cs typeface="+mn-ea"/>
+                <a:sym typeface="+mn-lt"/>
+              </a:endParaRPr>
+            </a:p>
+          </p:txBody>
+        </p:sp>
+        <p:sp>
+          <p:nvSpPr>
+            <p:cNvPr id="36" name="文本框 35"/>
+            <p:cNvSpPr txBox="1"/>
+            <p:nvPr/>
+          </p:nvSpPr>
+          <p:spPr>
+            <a:xfrm>
+              <a:off x="1188" y="6902"/>
+              <a:ext cx="1520" cy="434"/>
+            </a:xfrm>
+            <a:prstGeom prst="rect">
+              <a:avLst/>
+            </a:prstGeom>
+            <a:noFill/>
+          </p:spPr>
+          <p:txBody>
+            <a:bodyPr wrap="square" rtlCol="0">
+              <a:spAutoFit/>
+            </a:bodyPr>
+            <a:p>
+              <a:r>
+                <a:rPr lang="en-US" altLang="zh-CN" sz="1200">
+                  <a:latin typeface="仿宋" panose="02010609060101010101" charset="-122"/>
+                  <a:ea typeface="仿宋" panose="02010609060101010101" charset="-122"/>
+                </a:rPr>
+                <a:t>mysql </a:t>
+              </a:r>
+              <a:r>
+                <a:rPr lang="zh-CN" altLang="en-US" sz="1200">
+                  <a:latin typeface="仿宋" panose="02010609060101010101" charset="-122"/>
+                  <a:ea typeface="仿宋" panose="02010609060101010101" charset="-122"/>
+                </a:rPr>
+                <a:t>集群</a:t>
+              </a:r>
+              <a:endParaRPr lang="zh-CN" altLang="en-US" sz="1200">
+                <a:latin typeface="仿宋" panose="02010609060101010101" charset="-122"/>
+                <a:ea typeface="仿宋" panose="02010609060101010101" charset="-122"/>
+              </a:endParaRPr>
+            </a:p>
+          </p:txBody>
+        </p:sp>
+      </p:grpSp>
+      <p:sp>
+        <p:nvSpPr>
+          <p:cNvPr id="40" name="上下箭头 39"/>
+          <p:cNvSpPr/>
+          <p:nvPr/>
+        </p:nvSpPr>
         <p:spPr>
           <a:xfrm>
-            <a:off x="789940" y="3234690"/>
-            <a:ext cx="1270" cy="460375"/>
+            <a:off x="971550" y="2355850"/>
+            <a:ext cx="215900" cy="504190"/>
           </a:xfrm>
-          <a:prstGeom prst="straightConnector1">
+          <a:prstGeom prst="upDownArrow">
             <a:avLst/>
           </a:prstGeom>
+          <a:solidFill>
+            <a:schemeClr val="accent5"/>
+          </a:solidFill>
           <a:ln>
-            <a:tailEnd type="arrow"/>
+            <a:noFill/>
           </a:ln>
         </p:spPr>
         <p:style>
-          <a:lnRef idx="1">
-            <a:schemeClr val="accent1"/>
+          <a:lnRef idx="2">
+            <a:schemeClr val="accent1">
+              <a:shade val="50000"/>
+            </a:schemeClr>
           </a:lnRef>
-          <a:fillRef idx="0">
+          <a:fillRef idx="1">
             <a:schemeClr val="accent1"/>
           </a:fillRef>
           <a:effectRef idx="0">
             <a:schemeClr val="accent1"/>
           </a:effectRef>
           <a:fontRef idx="minor">
-            <a:schemeClr val="tx1"/>
+            <a:schemeClr val="lt1"/>
           </a:fontRef>
         </p:style>
-      </p:cxnSp>
-      <p:sp>
-        <p:nvSpPr>
-          <p:cNvPr id="35" name="文本框 34"/>
-          <p:cNvSpPr txBox="1"/>
-          <p:nvPr/>
-        </p:nvSpPr>
-        <p:spPr>
-          <a:xfrm>
-            <a:off x="3295015" y="3274060"/>
-            <a:ext cx="699770" cy="275590"/>
-          </a:xfrm>
-          <a:prstGeom prst="rect">
-            <a:avLst/>
-          </a:prstGeom>
-          <a:noFill/>
-        </p:spPr>
         <p:txBody>
-          <a:bodyPr wrap="square" rtlCol="0">
-            <a:spAutoFit/>
-          </a:bodyPr>
+          <a:bodyPr rtlCol="0" anchor="ctr"/>
           <a:p>
-            <a:r>
-              <a:rPr lang="en-US" altLang="zh-CN" sz="1200">
-                <a:latin typeface="仿宋" panose="02010609060101010101" charset="-122"/>
-                <a:ea typeface="仿宋" panose="02010609060101010101" charset="-122"/>
-              </a:rPr>
-              <a:t>ES</a:t>
-            </a:r>
-            <a:r>
-              <a:rPr lang="zh-CN" altLang="en-US" sz="1200">
-                <a:latin typeface="仿宋" panose="02010609060101010101" charset="-122"/>
-                <a:ea typeface="仿宋" panose="02010609060101010101" charset="-122"/>
-              </a:rPr>
-              <a:t>集群</a:t>
-            </a:r>
-            <a:endParaRPr lang="zh-CN" altLang="en-US" sz="1200">
-              <a:latin typeface="仿宋" panose="02010609060101010101" charset="-122"/>
-              <a:ea typeface="仿宋" panose="02010609060101010101" charset="-122"/>
+            <a:pPr algn="ctr" defTabSz="914400"/>
+            <a:endParaRPr kumimoji="0" lang="zh-CN" altLang="en-US" sz="1800" b="0" i="0" u="none" strike="noStrike" kern="0" cap="none" spc="0" normalizeH="0" baseline="0" noProof="0" dirty="0">
+              <a:ln>
+                <a:noFill/>
+              </a:ln>
+              <a:solidFill>
+                <a:sysClr val="windowText" lastClr="000000"/>
+              </a:solidFill>
+              <a:effectLst/>
+              <a:uLnTx/>
+              <a:uFillTx/>
+              <a:cs typeface="+mn-ea"/>
+              <a:sym typeface="+mn-lt"/>
             </a:endParaRPr>
           </a:p>
         </p:txBody>
       </p:sp>
       <p:sp>
         <p:nvSpPr>
-          <p:cNvPr id="36" name="文本框 35"/>
-          <p:cNvSpPr txBox="1"/>
+          <p:cNvPr id="41" name="上下箭头 40"/>
+          <p:cNvSpPr/>
           <p:nvPr/>
         </p:nvSpPr>
         <p:spPr>
           <a:xfrm>
-            <a:off x="754380" y="4382770"/>
-            <a:ext cx="965200" cy="275590"/>
+            <a:off x="3295015" y="2353945"/>
+            <a:ext cx="215900" cy="504190"/>
           </a:xfrm>
-          <a:prstGeom prst="rect">
+          <a:prstGeom prst="upDownArrow">
             <a:avLst/>
           </a:prstGeom>
-          <a:noFill/>
+          <a:solidFill>
+            <a:schemeClr val="accent5"/>
+          </a:solidFill>
+          <a:ln>
+            <a:noFill/>
+          </a:ln>
         </p:spPr>
+        <p:style>
+          <a:lnRef idx="2">
+            <a:schemeClr val="accent1">
+              <a:shade val="50000"/>
+            </a:schemeClr>
+          </a:lnRef>
+          <a:fillRef idx="1">
+            <a:schemeClr val="accent1"/>
+          </a:fillRef>
+          <a:effectRef idx="0">
+            <a:schemeClr val="accent1"/>
+          </a:effectRef>
+          <a:fontRef idx="minor">
+            <a:schemeClr val="lt1"/>
+          </a:fontRef>
+        </p:style>
         <p:txBody>
-          <a:bodyPr wrap="square" rtlCol="0">
-            <a:spAutoFit/>
-          </a:bodyPr>
+          <a:bodyPr rtlCol="0" anchor="ctr"/>
           <a:p>
-            <a:r>
-              <a:rPr lang="en-US" altLang="zh-CN" sz="1200">
-                <a:latin typeface="仿宋" panose="02010609060101010101" charset="-122"/>
-                <a:ea typeface="仿宋" panose="02010609060101010101" charset="-122"/>
-              </a:rPr>
-              <a:t>mysql </a:t>
-            </a:r>
-            <a:r>
-              <a:rPr lang="zh-CN" altLang="en-US" sz="1200">
-                <a:latin typeface="仿宋" panose="02010609060101010101" charset="-122"/>
-                <a:ea typeface="仿宋" panose="02010609060101010101" charset="-122"/>
-              </a:rPr>
-              <a:t>集群</a:t>
-            </a:r>
-            <a:endParaRPr lang="zh-CN" altLang="en-US" sz="1200">
-              <a:latin typeface="仿宋" panose="02010609060101010101" charset="-122"/>
-              <a:ea typeface="仿宋" panose="02010609060101010101" charset="-122"/>
+            <a:pPr algn="ctr" defTabSz="914400"/>
+            <a:endParaRPr kumimoji="0" lang="zh-CN" altLang="en-US" sz="1800" b="0" i="0" u="none" strike="noStrike" kern="0" cap="none" spc="0" normalizeH="0" baseline="0" noProof="0" dirty="0">
+              <a:ln>
+                <a:noFill/>
+              </a:ln>
+              <a:solidFill>
+                <a:sysClr val="windowText" lastClr="000000"/>
+              </a:solidFill>
+              <a:effectLst/>
+              <a:uLnTx/>
+              <a:uFillTx/>
+              <a:cs typeface="+mn-ea"/>
+              <a:sym typeface="+mn-lt"/>
             </a:endParaRPr>
           </a:p>
         </p:txBody>
@@ -18842,83 +20101,6 @@
   <p:clrMapOvr>
     <a:masterClrMapping/>
   </p:clrMapOvr>
-</p:sld>
-</file>
-
-<file path=ppt/slides/slide9.xml><?xml version="1.0" encoding="utf-8"?>
-<p:sld xmlns:a="http://schemas.openxmlformats.org/drawingml/2006/main" xmlns:r="http://schemas.openxmlformats.org/officeDocument/2006/relationships" xmlns:p="http://schemas.openxmlformats.org/presentationml/2006/main">
-  <p:cSld>
-    <p:spTree>
-      <p:nvGrpSpPr>
-        <p:cNvPr id="1" name=""/>
-        <p:cNvGrpSpPr/>
-        <p:nvPr/>
-      </p:nvGrpSpPr>
-      <p:grpSpPr>
-        <a:xfrm>
-          <a:off x="0" y="0"/>
-          <a:ext cx="0" cy="0"/>
-          <a:chOff x="0" y="0"/>
-          <a:chExt cx="0" cy="0"/>
-        </a:xfrm>
-      </p:grpSpPr>
-      <p:sp>
-        <p:nvSpPr>
-          <p:cNvPr id="2" name="标题 1"/>
-          <p:cNvSpPr>
-            <a:spLocks noGrp="1"/>
-          </p:cNvSpPr>
-          <p:nvPr>
-            <p:ph type="title"/>
-          </p:nvPr>
-        </p:nvSpPr>
-        <p:spPr/>
-        <p:txBody>
-          <a:bodyPr>
-            <a:normAutofit/>
-          </a:bodyPr>
-          <a:lstStyle/>
-          <a:p>
-            <a:r>
-              <a:rPr lang="en-US" altLang="zh-CN" dirty="0"/>
-              <a:t>5</a:t>
-            </a:r>
-            <a:r>
-              <a:rPr lang="zh-CN" altLang="en-US" dirty="0" smtClean="0"/>
-              <a:t>、后期规划</a:t>
-            </a:r>
-            <a:endParaRPr lang="en-US" altLang="zh-CN" dirty="0"/>
-          </a:p>
-        </p:txBody>
-      </p:sp>
-      <p:graphicFrame>
-        <p:nvGraphicFramePr>
-          <p:cNvPr id="5" name="图示 4"/>
-          <p:cNvGraphicFramePr/>
-          <p:nvPr/>
-        </p:nvGraphicFramePr>
-        <p:xfrm>
-          <a:off x="1285852" y="1285866"/>
-          <a:ext cx="5500726" cy="3103570"/>
-        </p:xfrm>
-        <a:graphic>
-          <a:graphicData uri="http://schemas.openxmlformats.org/drawingml/2006/diagram">
-            <dgm:relIds xmlns:dgm="http://schemas.openxmlformats.org/drawingml/2006/diagram" xmlns:r="http://schemas.openxmlformats.org/officeDocument/2006/relationships" r:dm="rId1" r:lo="rId2" r:qs="rId3" r:cs="rId4"/>
-          </a:graphicData>
-        </a:graphic>
-      </p:graphicFrame>
-    </p:spTree>
-  </p:cSld>
-  <p:clrMapOvr>
-    <a:masterClrMapping/>
-  </p:clrMapOvr>
-  <p:timing>
-    <p:tnLst>
-      <p:par>
-        <p:cTn id="1" dur="indefinite" restart="never" nodeType="tmRoot"/>
-      </p:par>
-    </p:tnLst>
-  </p:timing>
 </p:sld>
 </file>
 
